--- a/documentation/Presentation Bon App.pptx
+++ b/documentation/Presentation Bon App.pptx
@@ -5943,6 +5943,98 @@
           </a:prstGeom>
         </p:spPr>
       </p:pic>
+      <p:sp>
+        <p:nvSpPr>
+          <p:cNvPr id="2" name="Textfeld 1">
+            <a:extLst>
+              <a:ext uri="{FF2B5EF4-FFF2-40B4-BE49-F238E27FC236}">
+                <a16:creationId xmlns:a16="http://schemas.microsoft.com/office/drawing/2014/main" id="{45AF6680-0A6F-407D-823B-41A8B6113071}"/>
+              </a:ext>
+            </a:extLst>
+          </p:cNvPr>
+          <p:cNvSpPr txBox="1"/>
+          <p:nvPr/>
+        </p:nvSpPr>
+        <p:spPr>
+          <a:xfrm>
+            <a:off x="2838449" y="4610100"/>
+            <a:ext cx="7105651" cy="1938992"/>
+          </a:xfrm>
+          <a:prstGeom prst="rect">
+            <a:avLst/>
+          </a:prstGeom>
+          <a:noFill/>
+        </p:spPr>
+        <p:txBody>
+          <a:bodyPr wrap="square" rtlCol="0">
+            <a:spAutoFit/>
+          </a:bodyPr>
+          <a:lstStyle/>
+          <a:p>
+            <a:pPr algn="ctr"/>
+            <a:r>
+              <a:rPr lang="de-CH" sz="6000" b="1" dirty="0">
+                <a:ln>
+                  <a:solidFill>
+                    <a:schemeClr val="bg2">
+                      <a:lumMod val="10000"/>
+                    </a:schemeClr>
+                  </a:solidFill>
+                </a:ln>
+                <a:solidFill>
+                  <a:schemeClr val="bg1"/>
+                </a:solidFill>
+              </a:rPr>
+              <a:t>Project: </a:t>
+            </a:r>
+            <a:r>
+              <a:rPr lang="de-CH" sz="6000" b="1" dirty="0" err="1">
+                <a:ln>
+                  <a:solidFill>
+                    <a:schemeClr val="bg2">
+                      <a:lumMod val="10000"/>
+                    </a:schemeClr>
+                  </a:solidFill>
+                </a:ln>
+                <a:solidFill>
+                  <a:schemeClr val="bg1"/>
+                </a:solidFill>
+              </a:rPr>
+              <a:t>Hackmeat</a:t>
+            </a:r>
+            <a:endParaRPr lang="de-CH" sz="6000" b="1" dirty="0">
+              <a:ln>
+                <a:solidFill>
+                  <a:schemeClr val="bg2">
+                    <a:lumMod val="10000"/>
+                  </a:schemeClr>
+                </a:solidFill>
+              </a:ln>
+              <a:solidFill>
+                <a:schemeClr val="bg1"/>
+              </a:solidFill>
+            </a:endParaRPr>
+          </a:p>
+          <a:p>
+            <a:pPr algn="ctr"/>
+            <a:r>
+              <a:rPr lang="de-CH" sz="6000" b="1" dirty="0">
+                <a:ln>
+                  <a:solidFill>
+                    <a:schemeClr val="bg2">
+                      <a:lumMod val="10000"/>
+                    </a:schemeClr>
+                  </a:solidFill>
+                </a:ln>
+                <a:solidFill>
+                  <a:schemeClr val="bg1"/>
+                </a:solidFill>
+              </a:rPr>
+              <a:t>25. November 2018</a:t>
+            </a:r>
+          </a:p>
+        </p:txBody>
+      </p:sp>
     </p:spTree>
     <p:extLst>
       <p:ext uri="{BB962C8B-B14F-4D97-AF65-F5344CB8AC3E}">
@@ -6253,15 +6345,7 @@
             </a:pPr>
             <a:r>
               <a:rPr lang="en-US" dirty="0"/>
-              <a:t>As a lazy monster I want to scan my bill to add my </a:t>
-            </a:r>
-            <a:r>
-              <a:rPr lang="en-US" dirty="0" err="1"/>
-              <a:t>shoping</a:t>
-            </a:r>
-            <a:r>
-              <a:rPr lang="en-US" dirty="0"/>
-              <a:t> to the stock list.</a:t>
+              <a:t>As a lazy monster I want to scan my bill to add my shopping to the stock list.</a:t>
             </a:r>
           </a:p>
         </p:txBody>
@@ -6566,7 +6650,13 @@
           <a:bodyPr/>
           <a:lstStyle/>
           <a:p>
-            <a:endParaRPr lang="en-US"/>
+            <a:r>
+              <a:rPr lang="en-US" dirty="0"/>
+              <a:t>Big Team</a:t>
+            </a:r>
+          </a:p>
+          <a:p>
+            <a:endParaRPr lang="en-US" dirty="0"/>
           </a:p>
         </p:txBody>
       </p:sp>
@@ -6681,6 +6771,906 @@
                 <a:cs typeface="Calibri Light"/>
               </a:rPr>
               <a:t>Technically</a:t>
+            </a:r>
+          </a:p>
+        </p:txBody>
+      </p:sp>
+      <p:sp>
+        <p:nvSpPr>
+          <p:cNvPr id="3" name="Rechteck 2">
+            <a:extLst>
+              <a:ext uri="{FF2B5EF4-FFF2-40B4-BE49-F238E27FC236}">
+                <a16:creationId xmlns:a16="http://schemas.microsoft.com/office/drawing/2014/main" id="{90A46ADE-C6B5-44F5-ACB0-C0E1AD35FF51}"/>
+              </a:ext>
+            </a:extLst>
+          </p:cNvPr>
+          <p:cNvSpPr/>
+          <p:nvPr/>
+        </p:nvSpPr>
+        <p:spPr>
+          <a:xfrm>
+            <a:off x="1018525" y="1649633"/>
+            <a:ext cx="2641600" cy="1006763"/>
+          </a:xfrm>
+          <a:prstGeom prst="rect">
+            <a:avLst/>
+          </a:prstGeom>
+          <a:solidFill>
+            <a:srgbClr val="F5ADA9"/>
+          </a:solidFill>
+          <a:ln>
+            <a:solidFill>
+              <a:srgbClr val="EC6058"/>
+            </a:solidFill>
+          </a:ln>
+        </p:spPr>
+        <p:style>
+          <a:lnRef idx="2">
+            <a:schemeClr val="accent1">
+              <a:shade val="50000"/>
+            </a:schemeClr>
+          </a:lnRef>
+          <a:fillRef idx="1">
+            <a:schemeClr val="accent1"/>
+          </a:fillRef>
+          <a:effectRef idx="0">
+            <a:schemeClr val="accent1"/>
+          </a:effectRef>
+          <a:fontRef idx="minor">
+            <a:schemeClr val="lt1"/>
+          </a:fontRef>
+        </p:style>
+        <p:txBody>
+          <a:bodyPr rtlCol="0" anchor="ctr"/>
+          <a:lstStyle/>
+          <a:p>
+            <a:pPr algn="ctr"/>
+            <a:r>
+              <a:rPr lang="de-CH" sz="2800" dirty="0">
+                <a:solidFill>
+                  <a:schemeClr val="tx1"/>
+                </a:solidFill>
+              </a:rPr>
+              <a:t>GUI</a:t>
+            </a:r>
+          </a:p>
+        </p:txBody>
+      </p:sp>
+      <p:sp>
+        <p:nvSpPr>
+          <p:cNvPr id="6" name="Rechteck 5">
+            <a:extLst>
+              <a:ext uri="{FF2B5EF4-FFF2-40B4-BE49-F238E27FC236}">
+                <a16:creationId xmlns:a16="http://schemas.microsoft.com/office/drawing/2014/main" id="{97C7F267-B8E8-48AA-BA4C-3C12FBE786F3}"/>
+              </a:ext>
+            </a:extLst>
+          </p:cNvPr>
+          <p:cNvSpPr/>
+          <p:nvPr/>
+        </p:nvSpPr>
+        <p:spPr>
+          <a:xfrm>
+            <a:off x="6543963" y="2314430"/>
+            <a:ext cx="2641600" cy="1006763"/>
+          </a:xfrm>
+          <a:prstGeom prst="rect">
+            <a:avLst/>
+          </a:prstGeom>
+          <a:solidFill>
+            <a:srgbClr val="F5ADA9"/>
+          </a:solidFill>
+          <a:ln>
+            <a:solidFill>
+              <a:srgbClr val="EC6058"/>
+            </a:solidFill>
+          </a:ln>
+        </p:spPr>
+        <p:style>
+          <a:lnRef idx="2">
+            <a:schemeClr val="accent1">
+              <a:shade val="50000"/>
+            </a:schemeClr>
+          </a:lnRef>
+          <a:fillRef idx="1">
+            <a:schemeClr val="accent1"/>
+          </a:fillRef>
+          <a:effectRef idx="0">
+            <a:schemeClr val="accent1"/>
+          </a:effectRef>
+          <a:fontRef idx="minor">
+            <a:schemeClr val="lt1"/>
+          </a:fontRef>
+        </p:style>
+        <p:txBody>
+          <a:bodyPr rtlCol="0" anchor="ctr"/>
+          <a:lstStyle/>
+          <a:p>
+            <a:pPr algn="ctr"/>
+            <a:r>
+              <a:rPr lang="de-CH" sz="2800" dirty="0">
+                <a:solidFill>
+                  <a:schemeClr val="tx1"/>
+                </a:solidFill>
+              </a:rPr>
+              <a:t>Bill </a:t>
+            </a:r>
+            <a:r>
+              <a:rPr lang="de-CH" sz="2800" dirty="0" err="1">
+                <a:solidFill>
+                  <a:schemeClr val="tx1"/>
+                </a:solidFill>
+              </a:rPr>
+              <a:t>scanner</a:t>
+            </a:r>
+            <a:endParaRPr lang="de-CH" sz="2800" dirty="0">
+              <a:solidFill>
+                <a:schemeClr val="tx1"/>
+              </a:solidFill>
+            </a:endParaRPr>
+          </a:p>
+        </p:txBody>
+      </p:sp>
+      <p:sp>
+        <p:nvSpPr>
+          <p:cNvPr id="7" name="Rechteck 6">
+            <a:extLst>
+              <a:ext uri="{FF2B5EF4-FFF2-40B4-BE49-F238E27FC236}">
+                <a16:creationId xmlns:a16="http://schemas.microsoft.com/office/drawing/2014/main" id="{D6053879-D0D3-48DD-B84C-34873466E9F2}"/>
+              </a:ext>
+            </a:extLst>
+          </p:cNvPr>
+          <p:cNvSpPr/>
+          <p:nvPr/>
+        </p:nvSpPr>
+        <p:spPr>
+          <a:xfrm>
+            <a:off x="1018525" y="4165898"/>
+            <a:ext cx="2641600" cy="1006763"/>
+          </a:xfrm>
+          <a:prstGeom prst="rect">
+            <a:avLst/>
+          </a:prstGeom>
+          <a:solidFill>
+            <a:schemeClr val="accent2">
+              <a:lumMod val="40000"/>
+              <a:lumOff val="60000"/>
+            </a:schemeClr>
+          </a:solidFill>
+          <a:ln>
+            <a:solidFill>
+              <a:srgbClr val="EC6058"/>
+            </a:solidFill>
+          </a:ln>
+        </p:spPr>
+        <p:style>
+          <a:lnRef idx="2">
+            <a:schemeClr val="accent1">
+              <a:shade val="50000"/>
+            </a:schemeClr>
+          </a:lnRef>
+          <a:fillRef idx="1">
+            <a:schemeClr val="accent1"/>
+          </a:fillRef>
+          <a:effectRef idx="0">
+            <a:schemeClr val="accent1"/>
+          </a:effectRef>
+          <a:fontRef idx="minor">
+            <a:schemeClr val="lt1"/>
+          </a:fontRef>
+        </p:style>
+        <p:txBody>
+          <a:bodyPr rtlCol="0" anchor="ctr"/>
+          <a:lstStyle/>
+          <a:p>
+            <a:pPr algn="ctr"/>
+            <a:r>
+              <a:rPr lang="de-CH" sz="2800" dirty="0">
+                <a:solidFill>
+                  <a:schemeClr val="tx1"/>
+                </a:solidFill>
+              </a:rPr>
+              <a:t>Search Service </a:t>
+            </a:r>
+          </a:p>
+        </p:txBody>
+      </p:sp>
+      <p:sp>
+        <p:nvSpPr>
+          <p:cNvPr id="8" name="Rechteck 7">
+            <a:extLst>
+              <a:ext uri="{FF2B5EF4-FFF2-40B4-BE49-F238E27FC236}">
+                <a16:creationId xmlns:a16="http://schemas.microsoft.com/office/drawing/2014/main" id="{507F142B-5A1B-4886-8212-A65908DA99D5}"/>
+              </a:ext>
+            </a:extLst>
+          </p:cNvPr>
+          <p:cNvSpPr/>
+          <p:nvPr/>
+        </p:nvSpPr>
+        <p:spPr>
+          <a:xfrm>
+            <a:off x="6557817" y="4229819"/>
+            <a:ext cx="2641600" cy="1006763"/>
+          </a:xfrm>
+          <a:prstGeom prst="rect">
+            <a:avLst/>
+          </a:prstGeom>
+          <a:solidFill>
+            <a:schemeClr val="accent2">
+              <a:lumMod val="40000"/>
+              <a:lumOff val="60000"/>
+            </a:schemeClr>
+          </a:solidFill>
+          <a:ln>
+            <a:solidFill>
+              <a:srgbClr val="EC6058"/>
+            </a:solidFill>
+          </a:ln>
+        </p:spPr>
+        <p:style>
+          <a:lnRef idx="2">
+            <a:schemeClr val="accent1">
+              <a:shade val="50000"/>
+            </a:schemeClr>
+          </a:lnRef>
+          <a:fillRef idx="1">
+            <a:schemeClr val="accent1"/>
+          </a:fillRef>
+          <a:effectRef idx="0">
+            <a:schemeClr val="accent1"/>
+          </a:effectRef>
+          <a:fontRef idx="minor">
+            <a:schemeClr val="lt1"/>
+          </a:fontRef>
+        </p:style>
+        <p:txBody>
+          <a:bodyPr rtlCol="0" anchor="ctr"/>
+          <a:lstStyle/>
+          <a:p>
+            <a:pPr algn="ctr"/>
+            <a:r>
+              <a:rPr lang="de-CH" sz="2800" dirty="0">
+                <a:solidFill>
+                  <a:schemeClr val="tx1"/>
+                </a:solidFill>
+              </a:rPr>
+              <a:t>DB-Service</a:t>
+            </a:r>
+          </a:p>
+        </p:txBody>
+      </p:sp>
+      <p:sp>
+        <p:nvSpPr>
+          <p:cNvPr id="4" name="Zylinder 3">
+            <a:extLst>
+              <a:ext uri="{FF2B5EF4-FFF2-40B4-BE49-F238E27FC236}">
+                <a16:creationId xmlns:a16="http://schemas.microsoft.com/office/drawing/2014/main" id="{471967BE-0380-4C00-9140-3B47DD23B6C2}"/>
+              </a:ext>
+            </a:extLst>
+          </p:cNvPr>
+          <p:cNvSpPr/>
+          <p:nvPr/>
+        </p:nvSpPr>
+        <p:spPr>
+          <a:xfrm>
+            <a:off x="4276438" y="5328944"/>
+            <a:ext cx="1819562" cy="1325563"/>
+          </a:xfrm>
+          <a:prstGeom prst="can">
+            <a:avLst/>
+          </a:prstGeom>
+          <a:solidFill>
+            <a:srgbClr val="F5ADA9"/>
+          </a:solidFill>
+          <a:ln>
+            <a:solidFill>
+              <a:srgbClr val="EC6058"/>
+            </a:solidFill>
+          </a:ln>
+        </p:spPr>
+        <p:style>
+          <a:lnRef idx="2">
+            <a:schemeClr val="accent1">
+              <a:shade val="50000"/>
+            </a:schemeClr>
+          </a:lnRef>
+          <a:fillRef idx="1">
+            <a:schemeClr val="accent1"/>
+          </a:fillRef>
+          <a:effectRef idx="0">
+            <a:schemeClr val="accent1"/>
+          </a:effectRef>
+          <a:fontRef idx="minor">
+            <a:schemeClr val="lt1"/>
+          </a:fontRef>
+        </p:style>
+        <p:txBody>
+          <a:bodyPr rtlCol="0" anchor="ctr"/>
+          <a:lstStyle/>
+          <a:p>
+            <a:pPr algn="ctr"/>
+            <a:r>
+              <a:rPr lang="de-CH" sz="3200" dirty="0" err="1">
+                <a:solidFill>
+                  <a:schemeClr val="tx1"/>
+                </a:solidFill>
+              </a:rPr>
+              <a:t>Algolia</a:t>
+            </a:r>
+            <a:endParaRPr lang="de-CH" sz="3200" dirty="0">
+              <a:solidFill>
+                <a:schemeClr val="tx1"/>
+              </a:solidFill>
+            </a:endParaRPr>
+          </a:p>
+        </p:txBody>
+      </p:sp>
+      <p:pic>
+        <p:nvPicPr>
+          <p:cNvPr id="10" name="Grafik 9">
+            <a:extLst>
+              <a:ext uri="{FF2B5EF4-FFF2-40B4-BE49-F238E27FC236}">
+                <a16:creationId xmlns:a16="http://schemas.microsoft.com/office/drawing/2014/main" id="{DDDF1A63-8C1D-449D-8AB4-FD477C700533}"/>
+              </a:ext>
+            </a:extLst>
+          </p:cNvPr>
+          <p:cNvPicPr>
+            <a:picLocks noChangeAspect="1"/>
+          </p:cNvPicPr>
+          <p:nvPr/>
+        </p:nvPicPr>
+        <p:blipFill>
+          <a:blip r:embed="rId2" cstate="print">
+            <a:extLst>
+              <a:ext uri="{28A0092B-C50C-407E-A947-70E740481C1C}">
+                <a14:useLocalDpi xmlns:a14="http://schemas.microsoft.com/office/drawing/2010/main" val="0"/>
+              </a:ext>
+            </a:extLst>
+          </a:blip>
+          <a:stretch>
+            <a:fillRect/>
+          </a:stretch>
+        </p:blipFill>
+        <p:spPr>
+          <a:xfrm>
+            <a:off x="1103564" y="1781466"/>
+            <a:ext cx="743095" cy="743095"/>
+          </a:xfrm>
+          <a:prstGeom prst="rect">
+            <a:avLst/>
+          </a:prstGeom>
+          <a:ln>
+            <a:noFill/>
+          </a:ln>
+          <a:effectLst>
+            <a:softEdge rad="112500"/>
+          </a:effectLst>
+        </p:spPr>
+      </p:pic>
+      <p:cxnSp>
+        <p:nvCxnSpPr>
+          <p:cNvPr id="12" name="Verbinder: gewinkelt 11">
+            <a:extLst>
+              <a:ext uri="{FF2B5EF4-FFF2-40B4-BE49-F238E27FC236}">
+                <a16:creationId xmlns:a16="http://schemas.microsoft.com/office/drawing/2014/main" id="{2AFC8892-DF44-4E1E-AC77-74748B9CA3E0}"/>
+              </a:ext>
+            </a:extLst>
+          </p:cNvPr>
+          <p:cNvCxnSpPr>
+            <a:stCxn id="3" idx="3"/>
+            <a:endCxn id="6" idx="0"/>
+          </p:cNvCxnSpPr>
+          <p:nvPr/>
+        </p:nvCxnSpPr>
+        <p:spPr>
+          <a:xfrm>
+            <a:off x="3660125" y="2153015"/>
+            <a:ext cx="4204638" cy="161415"/>
+          </a:xfrm>
+          <a:prstGeom prst="bentConnector2">
+            <a:avLst/>
+          </a:prstGeom>
+          <a:ln w="28575">
+            <a:tailEnd type="triangle"/>
+          </a:ln>
+        </p:spPr>
+        <p:style>
+          <a:lnRef idx="1">
+            <a:schemeClr val="dk1"/>
+          </a:lnRef>
+          <a:fillRef idx="0">
+            <a:schemeClr val="dk1"/>
+          </a:fillRef>
+          <a:effectRef idx="0">
+            <a:schemeClr val="dk1"/>
+          </a:effectRef>
+          <a:fontRef idx="minor">
+            <a:schemeClr val="tx1"/>
+          </a:fontRef>
+        </p:style>
+      </p:cxnSp>
+      <p:sp>
+        <p:nvSpPr>
+          <p:cNvPr id="14" name="Textfeld 13">
+            <a:extLst>
+              <a:ext uri="{FF2B5EF4-FFF2-40B4-BE49-F238E27FC236}">
+                <a16:creationId xmlns:a16="http://schemas.microsoft.com/office/drawing/2014/main" id="{E5978FED-6403-4871-9DA0-43C0547EF8DB}"/>
+              </a:ext>
+            </a:extLst>
+          </p:cNvPr>
+          <p:cNvSpPr txBox="1"/>
+          <p:nvPr/>
+        </p:nvSpPr>
+        <p:spPr>
+          <a:xfrm>
+            <a:off x="4537131" y="1824737"/>
+            <a:ext cx="1298176" cy="369332"/>
+          </a:xfrm>
+          <a:prstGeom prst="rect">
+            <a:avLst/>
+          </a:prstGeom>
+          <a:noFill/>
+        </p:spPr>
+        <p:txBody>
+          <a:bodyPr wrap="none" rtlCol="0">
+            <a:spAutoFit/>
+          </a:bodyPr>
+          <a:lstStyle/>
+          <a:p>
+            <a:r>
+              <a:rPr lang="de-CH" dirty="0"/>
+              <a:t>Post Picture</a:t>
+            </a:r>
+          </a:p>
+        </p:txBody>
+      </p:sp>
+      <p:cxnSp>
+        <p:nvCxnSpPr>
+          <p:cNvPr id="16" name="Gerade Verbindung mit Pfeil 15">
+            <a:extLst>
+              <a:ext uri="{FF2B5EF4-FFF2-40B4-BE49-F238E27FC236}">
+                <a16:creationId xmlns:a16="http://schemas.microsoft.com/office/drawing/2014/main" id="{67D86C47-478B-4C73-9A03-D0A423241194}"/>
+              </a:ext>
+            </a:extLst>
+          </p:cNvPr>
+          <p:cNvCxnSpPr>
+            <a:stCxn id="6" idx="2"/>
+            <a:endCxn id="8" idx="0"/>
+          </p:cNvCxnSpPr>
+          <p:nvPr/>
+        </p:nvCxnSpPr>
+        <p:spPr>
+          <a:xfrm>
+            <a:off x="7864763" y="3321193"/>
+            <a:ext cx="13854" cy="908626"/>
+          </a:xfrm>
+          <a:prstGeom prst="straightConnector1">
+            <a:avLst/>
+          </a:prstGeom>
+          <a:ln w="28575">
+            <a:tailEnd type="triangle"/>
+          </a:ln>
+        </p:spPr>
+        <p:style>
+          <a:lnRef idx="1">
+            <a:schemeClr val="dk1"/>
+          </a:lnRef>
+          <a:fillRef idx="0">
+            <a:schemeClr val="dk1"/>
+          </a:fillRef>
+          <a:effectRef idx="0">
+            <a:schemeClr val="dk1"/>
+          </a:effectRef>
+          <a:fontRef idx="minor">
+            <a:schemeClr val="tx1"/>
+          </a:fontRef>
+        </p:style>
+      </p:cxnSp>
+      <p:sp>
+        <p:nvSpPr>
+          <p:cNvPr id="17" name="Textfeld 16">
+            <a:extLst>
+              <a:ext uri="{FF2B5EF4-FFF2-40B4-BE49-F238E27FC236}">
+                <a16:creationId xmlns:a16="http://schemas.microsoft.com/office/drawing/2014/main" id="{ABD8ADD8-AD3C-4D7B-9AFE-02C72CADC9CF}"/>
+              </a:ext>
+            </a:extLst>
+          </p:cNvPr>
+          <p:cNvSpPr txBox="1"/>
+          <p:nvPr/>
+        </p:nvSpPr>
+        <p:spPr>
+          <a:xfrm>
+            <a:off x="7878617" y="3570201"/>
+            <a:ext cx="1514389" cy="369332"/>
+          </a:xfrm>
+          <a:prstGeom prst="rect">
+            <a:avLst/>
+          </a:prstGeom>
+          <a:noFill/>
+        </p:spPr>
+        <p:txBody>
+          <a:bodyPr wrap="none" rtlCol="0">
+            <a:spAutoFit/>
+          </a:bodyPr>
+          <a:lstStyle/>
+          <a:p>
+            <a:r>
+              <a:rPr lang="de-CH" dirty="0"/>
+              <a:t>Post Shopping</a:t>
+            </a:r>
+          </a:p>
+        </p:txBody>
+      </p:sp>
+      <p:cxnSp>
+        <p:nvCxnSpPr>
+          <p:cNvPr id="19" name="Gerade Verbindung mit Pfeil 18">
+            <a:extLst>
+              <a:ext uri="{FF2B5EF4-FFF2-40B4-BE49-F238E27FC236}">
+                <a16:creationId xmlns:a16="http://schemas.microsoft.com/office/drawing/2014/main" id="{8B75C3D5-BEFC-4FBF-AA82-3FFE0A0BDEF2}"/>
+              </a:ext>
+            </a:extLst>
+          </p:cNvPr>
+          <p:cNvCxnSpPr>
+            <a:stCxn id="3" idx="3"/>
+            <a:endCxn id="8" idx="1"/>
+          </p:cNvCxnSpPr>
+          <p:nvPr/>
+        </p:nvCxnSpPr>
+        <p:spPr>
+          <a:xfrm>
+            <a:off x="3660125" y="2153015"/>
+            <a:ext cx="2897692" cy="2580186"/>
+          </a:xfrm>
+          <a:prstGeom prst="straightConnector1">
+            <a:avLst/>
+          </a:prstGeom>
+          <a:ln w="28575">
+            <a:tailEnd type="triangle"/>
+          </a:ln>
+        </p:spPr>
+        <p:style>
+          <a:lnRef idx="1">
+            <a:schemeClr val="dk1"/>
+          </a:lnRef>
+          <a:fillRef idx="0">
+            <a:schemeClr val="dk1"/>
+          </a:fillRef>
+          <a:effectRef idx="0">
+            <a:schemeClr val="dk1"/>
+          </a:effectRef>
+          <a:fontRef idx="minor">
+            <a:schemeClr val="tx1"/>
+          </a:fontRef>
+        </p:style>
+      </p:cxnSp>
+      <p:sp>
+        <p:nvSpPr>
+          <p:cNvPr id="20" name="Textfeld 19">
+            <a:extLst>
+              <a:ext uri="{FF2B5EF4-FFF2-40B4-BE49-F238E27FC236}">
+                <a16:creationId xmlns:a16="http://schemas.microsoft.com/office/drawing/2014/main" id="{82218177-1F57-4846-B62D-F0A62D2678D1}"/>
+              </a:ext>
+            </a:extLst>
+          </p:cNvPr>
+          <p:cNvSpPr txBox="1"/>
+          <p:nvPr/>
+        </p:nvSpPr>
+        <p:spPr>
+          <a:xfrm>
+            <a:off x="4569022" y="2656396"/>
+            <a:ext cx="1186863" cy="369332"/>
+          </a:xfrm>
+          <a:prstGeom prst="rect">
+            <a:avLst/>
+          </a:prstGeom>
+          <a:noFill/>
+        </p:spPr>
+        <p:txBody>
+          <a:bodyPr wrap="none" rtlCol="0">
+            <a:spAutoFit/>
+          </a:bodyPr>
+          <a:lstStyle/>
+          <a:p>
+            <a:r>
+              <a:rPr lang="de-CH" dirty="0" err="1"/>
+              <a:t>Get</a:t>
+            </a:r>
+            <a:r>
+              <a:rPr lang="de-CH" dirty="0"/>
+              <a:t> Stocke</a:t>
+            </a:r>
+          </a:p>
+        </p:txBody>
+      </p:sp>
+      <p:cxnSp>
+        <p:nvCxnSpPr>
+          <p:cNvPr id="21" name="Gerade Verbindung mit Pfeil 20">
+            <a:extLst>
+              <a:ext uri="{FF2B5EF4-FFF2-40B4-BE49-F238E27FC236}">
+                <a16:creationId xmlns:a16="http://schemas.microsoft.com/office/drawing/2014/main" id="{1A6AA2B4-29E0-4094-83A5-D8CE5B8CB027}"/>
+              </a:ext>
+            </a:extLst>
+          </p:cNvPr>
+          <p:cNvCxnSpPr>
+            <a:cxnSpLocks/>
+          </p:cNvCxnSpPr>
+          <p:nvPr/>
+        </p:nvCxnSpPr>
+        <p:spPr>
+          <a:xfrm>
+            <a:off x="2339325" y="2723423"/>
+            <a:ext cx="0" cy="1439370"/>
+          </a:xfrm>
+          <a:prstGeom prst="straightConnector1">
+            <a:avLst/>
+          </a:prstGeom>
+          <a:ln w="28575">
+            <a:tailEnd type="triangle"/>
+          </a:ln>
+        </p:spPr>
+        <p:style>
+          <a:lnRef idx="1">
+            <a:schemeClr val="dk1"/>
+          </a:lnRef>
+          <a:fillRef idx="0">
+            <a:schemeClr val="dk1"/>
+          </a:fillRef>
+          <a:effectRef idx="0">
+            <a:schemeClr val="dk1"/>
+          </a:effectRef>
+          <a:fontRef idx="minor">
+            <a:schemeClr val="tx1"/>
+          </a:fontRef>
+        </p:style>
+      </p:cxnSp>
+      <p:sp>
+        <p:nvSpPr>
+          <p:cNvPr id="23" name="Textfeld 22">
+            <a:extLst>
+              <a:ext uri="{FF2B5EF4-FFF2-40B4-BE49-F238E27FC236}">
+                <a16:creationId xmlns:a16="http://schemas.microsoft.com/office/drawing/2014/main" id="{9A250DEF-2FCB-4889-A7E1-1700D8DB6A81}"/>
+              </a:ext>
+            </a:extLst>
+          </p:cNvPr>
+          <p:cNvSpPr txBox="1"/>
+          <p:nvPr/>
+        </p:nvSpPr>
+        <p:spPr>
+          <a:xfrm>
+            <a:off x="743930" y="3244334"/>
+            <a:ext cx="1514389" cy="369332"/>
+          </a:xfrm>
+          <a:prstGeom prst="rect">
+            <a:avLst/>
+          </a:prstGeom>
+          <a:noFill/>
+        </p:spPr>
+        <p:txBody>
+          <a:bodyPr wrap="none" rtlCol="0">
+            <a:spAutoFit/>
+          </a:bodyPr>
+          <a:lstStyle/>
+          <a:p>
+            <a:r>
+              <a:rPr lang="de-CH" dirty="0"/>
+              <a:t>Post Shopping</a:t>
+            </a:r>
+          </a:p>
+        </p:txBody>
+      </p:sp>
+      <p:cxnSp>
+        <p:nvCxnSpPr>
+          <p:cNvPr id="24" name="Gerade Verbindung mit Pfeil 23">
+            <a:extLst>
+              <a:ext uri="{FF2B5EF4-FFF2-40B4-BE49-F238E27FC236}">
+                <a16:creationId xmlns:a16="http://schemas.microsoft.com/office/drawing/2014/main" id="{A96B5D50-9BDA-4CE6-B814-7DD4E3CE1736}"/>
+              </a:ext>
+            </a:extLst>
+          </p:cNvPr>
+          <p:cNvCxnSpPr>
+            <a:cxnSpLocks/>
+            <a:stCxn id="7" idx="2"/>
+            <a:endCxn id="4" idx="2"/>
+          </p:cNvCxnSpPr>
+          <p:nvPr/>
+        </p:nvCxnSpPr>
+        <p:spPr>
+          <a:xfrm>
+            <a:off x="2339325" y="5172661"/>
+            <a:ext cx="1937113" cy="819065"/>
+          </a:xfrm>
+          <a:prstGeom prst="straightConnector1">
+            <a:avLst/>
+          </a:prstGeom>
+          <a:ln w="28575">
+            <a:tailEnd type="triangle"/>
+          </a:ln>
+        </p:spPr>
+        <p:style>
+          <a:lnRef idx="1">
+            <a:schemeClr val="dk1"/>
+          </a:lnRef>
+          <a:fillRef idx="0">
+            <a:schemeClr val="dk1"/>
+          </a:fillRef>
+          <a:effectRef idx="0">
+            <a:schemeClr val="dk1"/>
+          </a:effectRef>
+          <a:fontRef idx="minor">
+            <a:schemeClr val="tx1"/>
+          </a:fontRef>
+        </p:style>
+      </p:cxnSp>
+      <p:cxnSp>
+        <p:nvCxnSpPr>
+          <p:cNvPr id="26" name="Gerade Verbindung mit Pfeil 25">
+            <a:extLst>
+              <a:ext uri="{FF2B5EF4-FFF2-40B4-BE49-F238E27FC236}">
+                <a16:creationId xmlns:a16="http://schemas.microsoft.com/office/drawing/2014/main" id="{A8569491-7F43-4AED-A52E-11EE7D33AB1B}"/>
+              </a:ext>
+            </a:extLst>
+          </p:cNvPr>
+          <p:cNvCxnSpPr>
+            <a:cxnSpLocks/>
+            <a:stCxn id="8" idx="2"/>
+            <a:endCxn id="4" idx="4"/>
+          </p:cNvCxnSpPr>
+          <p:nvPr/>
+        </p:nvCxnSpPr>
+        <p:spPr>
+          <a:xfrm flipH="1">
+            <a:off x="6096000" y="5236582"/>
+            <a:ext cx="1782617" cy="755144"/>
+          </a:xfrm>
+          <a:prstGeom prst="straightConnector1">
+            <a:avLst/>
+          </a:prstGeom>
+          <a:ln w="28575">
+            <a:tailEnd type="triangle"/>
+          </a:ln>
+        </p:spPr>
+        <p:style>
+          <a:lnRef idx="1">
+            <a:schemeClr val="dk1"/>
+          </a:lnRef>
+          <a:fillRef idx="0">
+            <a:schemeClr val="dk1"/>
+          </a:fillRef>
+          <a:effectRef idx="0">
+            <a:schemeClr val="dk1"/>
+          </a:effectRef>
+          <a:fontRef idx="minor">
+            <a:schemeClr val="tx1"/>
+          </a:fontRef>
+        </p:style>
+      </p:cxnSp>
+      <p:sp>
+        <p:nvSpPr>
+          <p:cNvPr id="30" name="Textfeld 29">
+            <a:extLst>
+              <a:ext uri="{FF2B5EF4-FFF2-40B4-BE49-F238E27FC236}">
+                <a16:creationId xmlns:a16="http://schemas.microsoft.com/office/drawing/2014/main" id="{A0006968-950F-4FD6-81C9-40953B915308}"/>
+              </a:ext>
+            </a:extLst>
+          </p:cNvPr>
+          <p:cNvSpPr txBox="1"/>
+          <p:nvPr/>
+        </p:nvSpPr>
+        <p:spPr>
+          <a:xfrm>
+            <a:off x="6259547" y="5781680"/>
+            <a:ext cx="1519647" cy="923330"/>
+          </a:xfrm>
+          <a:prstGeom prst="rect">
+            <a:avLst/>
+          </a:prstGeom>
+          <a:noFill/>
+        </p:spPr>
+        <p:txBody>
+          <a:bodyPr wrap="none" rtlCol="0">
+            <a:spAutoFit/>
+          </a:bodyPr>
+          <a:lstStyle/>
+          <a:p>
+            <a:pPr marL="285750" indent="-285750">
+              <a:buFontTx/>
+              <a:buChar char="-"/>
+            </a:pPr>
+            <a:r>
+              <a:rPr lang="de-CH" i="1" dirty="0" err="1">
+                <a:solidFill>
+                  <a:srgbClr val="EC6058"/>
+                </a:solidFill>
+              </a:rPr>
+              <a:t>Recipes</a:t>
+            </a:r>
+            <a:endParaRPr lang="de-CH" i="1" dirty="0">
+              <a:solidFill>
+                <a:srgbClr val="EC6058"/>
+              </a:solidFill>
+            </a:endParaRPr>
+          </a:p>
+          <a:p>
+            <a:pPr marL="285750" indent="-285750">
+              <a:buFontTx/>
+              <a:buChar char="-"/>
+            </a:pPr>
+            <a:r>
+              <a:rPr lang="de-CH" i="1" dirty="0" err="1">
+                <a:solidFill>
+                  <a:srgbClr val="EC6058"/>
+                </a:solidFill>
+              </a:rPr>
+              <a:t>Incredients</a:t>
+            </a:r>
+            <a:endParaRPr lang="de-CH" i="1" dirty="0">
+              <a:solidFill>
+                <a:srgbClr val="EC6058"/>
+              </a:solidFill>
+            </a:endParaRPr>
+          </a:p>
+          <a:p>
+            <a:pPr marL="285750" indent="-285750">
+              <a:buFontTx/>
+              <a:buChar char="-"/>
+            </a:pPr>
+            <a:r>
+              <a:rPr lang="de-CH" i="1" dirty="0">
+                <a:solidFill>
+                  <a:srgbClr val="EC6058"/>
+                </a:solidFill>
+              </a:rPr>
+              <a:t>Stock</a:t>
+            </a:r>
+          </a:p>
+        </p:txBody>
+      </p:sp>
+      <p:sp>
+        <p:nvSpPr>
+          <p:cNvPr id="31" name="Textfeld 30">
+            <a:extLst>
+              <a:ext uri="{FF2B5EF4-FFF2-40B4-BE49-F238E27FC236}">
+                <a16:creationId xmlns:a16="http://schemas.microsoft.com/office/drawing/2014/main" id="{4DC07359-91DB-4962-992C-9C7A2BCE74E2}"/>
+              </a:ext>
+            </a:extLst>
+          </p:cNvPr>
+          <p:cNvSpPr txBox="1"/>
+          <p:nvPr/>
+        </p:nvSpPr>
+        <p:spPr>
+          <a:xfrm>
+            <a:off x="7415268" y="5345324"/>
+            <a:ext cx="2500749" cy="369332"/>
+          </a:xfrm>
+          <a:prstGeom prst="rect">
+            <a:avLst/>
+          </a:prstGeom>
+          <a:noFill/>
+        </p:spPr>
+        <p:txBody>
+          <a:bodyPr wrap="none" rtlCol="0">
+            <a:spAutoFit/>
+          </a:bodyPr>
+          <a:lstStyle/>
+          <a:p>
+            <a:r>
+              <a:rPr lang="de-CH" dirty="0"/>
+              <a:t>Post Items </a:t>
+            </a:r>
+            <a:r>
+              <a:rPr lang="de-CH" dirty="0" err="1"/>
+              <a:t>into</a:t>
+            </a:r>
+            <a:r>
+              <a:rPr lang="de-CH" dirty="0"/>
+              <a:t> </a:t>
+            </a:r>
+            <a:r>
+              <a:rPr lang="de-CH" dirty="0" err="1"/>
+              <a:t>the</a:t>
+            </a:r>
+            <a:r>
+              <a:rPr lang="de-CH" dirty="0"/>
+              <a:t> Stock</a:t>
             </a:r>
           </a:p>
         </p:txBody>

--- a/documentation/Presentation Bon App.pptx
+++ b/documentation/Presentation Bon App.pptx
@@ -11,7 +11,9 @@
     <p:sldId id="260" r:id="rId5"/>
     <p:sldId id="259" r:id="rId6"/>
     <p:sldId id="258" r:id="rId7"/>
-    <p:sldId id="265" r:id="rId8"/>
+    <p:sldId id="266" r:id="rId8"/>
+    <p:sldId id="267" r:id="rId9"/>
+    <p:sldId id="265" r:id="rId10"/>
   </p:sldIdLst>
   <p:sldSz cx="12192000" cy="6858000"/>
   <p:notesSz cx="6858000" cy="9144000"/>
@@ -894,7 +896,7 @@
         <a:lstStyle/>
         <a:p>
           <a:r>
-            <a:rPr lang="de-CH" sz="3000" dirty="0"/>
+            <a:rPr lang="de-CH" sz="2500" dirty="0"/>
             <a:t>Use Cases</a:t>
           </a:r>
         </a:p>
@@ -939,7 +941,7 @@
         <a:lstStyle/>
         <a:p>
           <a:r>
-            <a:rPr lang="de-CH" sz="3000" dirty="0"/>
+            <a:rPr lang="de-CH" sz="2500" dirty="0"/>
             <a:t>Live Demo</a:t>
           </a:r>
         </a:p>
@@ -984,10 +986,10 @@
         <a:lstStyle/>
         <a:p>
           <a:r>
-            <a:rPr lang="de-CH" sz="3000" dirty="0" err="1"/>
+            <a:rPr lang="de-CH" sz="2500" dirty="0" err="1"/>
             <a:t>Challanges</a:t>
           </a:r>
-          <a:endParaRPr lang="de-CH" sz="3000" dirty="0"/>
+          <a:endParaRPr lang="de-CH" sz="2500" dirty="0"/>
         </a:p>
       </dgm:t>
     </dgm:pt>
@@ -1030,10 +1032,10 @@
         <a:lstStyle/>
         <a:p>
           <a:r>
-            <a:rPr lang="de-CH" sz="3000" dirty="0" err="1"/>
+            <a:rPr lang="de-CH" sz="2500" dirty="0" err="1"/>
             <a:t>Technically</a:t>
           </a:r>
-          <a:endParaRPr lang="de-CH" sz="3000" dirty="0"/>
+          <a:endParaRPr lang="de-CH" sz="2500" dirty="0"/>
         </a:p>
       </dgm:t>
     </dgm:pt>
@@ -1059,6 +1061,51 @@
         </a:p>
       </dgm:t>
     </dgm:pt>
+    <dgm:pt modelId="{5CF8C65C-6D83-4A6E-981A-925A055D5FF9}">
+      <dgm:prSet phldrT="[Text]" custT="1"/>
+      <dgm:spPr>
+        <a:solidFill>
+          <a:srgbClr val="F5ADA9">
+            <a:alpha val="40000"/>
+          </a:srgbClr>
+        </a:solidFill>
+        <a:ln>
+          <a:noFill/>
+        </a:ln>
+      </dgm:spPr>
+      <dgm:t>
+        <a:bodyPr/>
+        <a:lstStyle/>
+        <a:p>
+          <a:r>
+            <a:rPr lang="de-CH" sz="2500" dirty="0"/>
+            <a:t>Further Developments</a:t>
+          </a:r>
+        </a:p>
+      </dgm:t>
+    </dgm:pt>
+    <dgm:pt modelId="{8A2D220C-B710-442B-935A-10D3825E1336}" type="parTrans" cxnId="{297480F1-E715-4D23-9F68-FFA744D7645D}">
+      <dgm:prSet/>
+      <dgm:spPr/>
+      <dgm:t>
+        <a:bodyPr/>
+        <a:lstStyle/>
+        <a:p>
+          <a:endParaRPr lang="de-CH"/>
+        </a:p>
+      </dgm:t>
+    </dgm:pt>
+    <dgm:pt modelId="{1E96FAB4-D045-4123-A6FD-9F35F51B99EE}" type="sibTrans" cxnId="{297480F1-E715-4D23-9F68-FFA744D7645D}">
+      <dgm:prSet/>
+      <dgm:spPr/>
+      <dgm:t>
+        <a:bodyPr/>
+        <a:lstStyle/>
+        <a:p>
+          <a:endParaRPr lang="de-CH"/>
+        </a:p>
+      </dgm:t>
+    </dgm:pt>
     <dgm:pt modelId="{7ED9A8BA-AEA9-4119-8DF2-2BB3795AFC80}" type="pres">
       <dgm:prSet presAssocID="{64E239ED-4FDF-4B53-A84A-F19F5C1DBD1B}" presName="Name0" presStyleCnt="0">
         <dgm:presLayoutVars>
@@ -1073,7 +1120,7 @@
       <dgm:spPr/>
     </dgm:pt>
     <dgm:pt modelId="{C51EF700-53DF-448E-84A2-B5902AD43FCF}" type="pres">
-      <dgm:prSet presAssocID="{67F22716-79AF-4C74-9838-479C373292A7}" presName="rect1" presStyleLbl="trAlignAcc1" presStyleIdx="0" presStyleCnt="4" custScaleX="63902" custScaleY="42481" custLinFactNeighborX="-34008" custLinFactNeighborY="-39782">
+      <dgm:prSet presAssocID="{67F22716-79AF-4C74-9838-479C373292A7}" presName="rect1" presStyleLbl="trAlignAcc1" presStyleIdx="0" presStyleCnt="5" custScaleX="63902" custScaleY="25538" custLinFactNeighborX="-33730" custLinFactNeighborY="-16473">
         <dgm:presLayoutVars>
           <dgm:bulletEnabled val="1"/>
         </dgm:presLayoutVars>
@@ -1081,7 +1128,7 @@
       <dgm:spPr/>
     </dgm:pt>
     <dgm:pt modelId="{D9CB68A9-60FA-42F9-8EED-2E75019E0427}" type="pres">
-      <dgm:prSet presAssocID="{67F22716-79AF-4C74-9838-479C373292A7}" presName="rect2" presStyleLbl="fgImgPlace1" presStyleIdx="0" presStyleCnt="4" custScaleX="128815" custScaleY="66767" custLinFactX="-1295" custLinFactNeighborX="-100000" custLinFactNeighborY="-26717"/>
+      <dgm:prSet presAssocID="{67F22716-79AF-4C74-9838-479C373292A7}" presName="rect2" presStyleLbl="fgImgPlace1" presStyleIdx="0" presStyleCnt="5" custScaleX="86094" custScaleY="39683" custLinFactX="-12909" custLinFactNeighborX="-100000" custLinFactNeighborY="-3139"/>
       <dgm:spPr>
         <a:blipFill>
           <a:blip xmlns:r="http://schemas.openxmlformats.org/officeDocument/2006/relationships" r:embed="rId1" cstate="print">
@@ -1110,7 +1157,7 @@
       <dgm:spPr/>
     </dgm:pt>
     <dgm:pt modelId="{BAD9C985-49FF-46DF-8BF0-CFF7A2DBF75C}" type="pres">
-      <dgm:prSet presAssocID="{8A4672D1-FFBF-45B1-875F-E879ACA26289}" presName="rect1" presStyleLbl="trAlignAcc1" presStyleIdx="1" presStyleCnt="4" custScaleX="63902" custScaleY="42481" custLinFactNeighborX="-33811" custLinFactNeighborY="-46089">
+      <dgm:prSet presAssocID="{8A4672D1-FFBF-45B1-875F-E879ACA26289}" presName="rect1" presStyleLbl="trAlignAcc1" presStyleIdx="1" presStyleCnt="5" custScaleX="63902" custScaleY="25538" custLinFactNeighborX="-33741" custLinFactNeighborY="-32314">
         <dgm:presLayoutVars>
           <dgm:bulletEnabled val="1"/>
         </dgm:presLayoutVars>
@@ -1118,7 +1165,7 @@
       <dgm:spPr/>
     </dgm:pt>
     <dgm:pt modelId="{563DB968-CE4A-478C-A4FE-C4031E27BFAD}" type="pres">
-      <dgm:prSet presAssocID="{8A4672D1-FFBF-45B1-875F-E879ACA26289}" presName="rect2" presStyleLbl="fgImgPlace1" presStyleIdx="1" presStyleCnt="4" custScaleX="128815" custScaleY="66767" custLinFactX="-394" custLinFactNeighborX="-100000" custLinFactNeighborY="-32141"/>
+      <dgm:prSet presAssocID="{8A4672D1-FFBF-45B1-875F-E879ACA26289}" presName="rect2" presStyleLbl="fgImgPlace1" presStyleIdx="1" presStyleCnt="5" custScaleX="86094" custScaleY="39683" custLinFactX="-14956" custLinFactNeighborX="-100000" custLinFactNeighborY="-19177"/>
       <dgm:spPr>
         <a:blipFill dpi="0" rotWithShape="1">
           <a:blip xmlns:r="http://schemas.openxmlformats.org/officeDocument/2006/relationships" r:embed="rId2">
@@ -1147,7 +1194,7 @@
       <dgm:spPr/>
     </dgm:pt>
     <dgm:pt modelId="{95B02363-B7CF-46BB-97E3-7A7AB406D054}" type="pres">
-      <dgm:prSet presAssocID="{6FBF323C-55C6-481D-B1B7-200D87AA9F3D}" presName="rect1" presStyleLbl="trAlignAcc1" presStyleIdx="2" presStyleCnt="4" custScaleX="63902" custScaleY="42481" custLinFactNeighborX="13601" custLinFactNeighborY="-49786">
+      <dgm:prSet presAssocID="{6FBF323C-55C6-481D-B1B7-200D87AA9F3D}" presName="rect1" presStyleLbl="trAlignAcc1" presStyleIdx="2" presStyleCnt="5" custScaleX="63902" custScaleY="25538" custLinFactNeighborX="-33391" custLinFactNeighborY="-45997">
         <dgm:presLayoutVars>
           <dgm:bulletEnabled val="1"/>
         </dgm:presLayoutVars>
@@ -1155,7 +1202,7 @@
       <dgm:spPr/>
     </dgm:pt>
     <dgm:pt modelId="{1EBB471C-81C4-4EFF-AE3F-F7999F4AC4CE}" type="pres">
-      <dgm:prSet presAssocID="{6FBF323C-55C6-481D-B1B7-200D87AA9F3D}" presName="rect2" presStyleLbl="fgImgPlace1" presStyleIdx="2" presStyleCnt="4" custScaleX="128815" custScaleY="66767" custLinFactX="15721" custLinFactNeighborX="100000" custLinFactNeighborY="-36645"/>
+      <dgm:prSet presAssocID="{6FBF323C-55C6-481D-B1B7-200D87AA9F3D}" presName="rect2" presStyleLbl="fgImgPlace1" presStyleIdx="2" presStyleCnt="5" custScaleX="86094" custScaleY="39683" custLinFactX="-19596" custLinFactNeighborX="-100000" custLinFactNeighborY="-36466"/>
       <dgm:spPr>
         <a:blipFill dpi="0" rotWithShape="1">
           <a:blip xmlns:r="http://schemas.openxmlformats.org/officeDocument/2006/relationships" r:embed="rId3">
@@ -1184,7 +1231,7 @@
       <dgm:spPr/>
     </dgm:pt>
     <dgm:pt modelId="{879F43F5-6074-4DA6-B8C5-986CDA17E966}" type="pres">
-      <dgm:prSet presAssocID="{ED4D9A10-9D74-4867-93D8-AF64646F5425}" presName="rect1" presStyleLbl="trAlignAcc1" presStyleIdx="3" presStyleCnt="4" custScaleX="63902" custScaleY="42481" custLinFactNeighborX="-81801" custLinFactNeighborY="23806">
+      <dgm:prSet presAssocID="{ED4D9A10-9D74-4867-93D8-AF64646F5425}" presName="rect1" presStyleLbl="trAlignAcc1" presStyleIdx="3" presStyleCnt="5" custScaleX="63902" custScaleY="25538" custLinFactNeighborX="8791" custLinFactNeighborY="-60547">
         <dgm:presLayoutVars>
           <dgm:bulletEnabled val="1"/>
         </dgm:presLayoutVars>
@@ -1192,7 +1239,7 @@
       <dgm:spPr/>
     </dgm:pt>
     <dgm:pt modelId="{781CE4AE-1BEC-48CA-9699-BC0A89F3E12F}" type="pres">
-      <dgm:prSet presAssocID="{ED4D9A10-9D74-4867-93D8-AF64646F5425}" presName="rect2" presStyleLbl="fgImgPlace1" presStyleIdx="3" presStyleCnt="4" custScaleX="124789" custScaleY="66917" custLinFactX="-118082" custLinFactNeighborX="-200000" custLinFactNeighborY="36043"/>
+      <dgm:prSet presAssocID="{ED4D9A10-9D74-4867-93D8-AF64646F5425}" presName="rect2" presStyleLbl="fgImgPlace1" presStyleIdx="3" presStyleCnt="5" custScaleX="83682" custScaleY="39905" custLinFactNeighborX="74702" custLinFactNeighborY="-50647"/>
       <dgm:spPr>
         <a:blipFill dpi="0" rotWithShape="1">
           <a:blip xmlns:r="http://schemas.openxmlformats.org/officeDocument/2006/relationships" r:embed="rId4">
@@ -1212,14 +1259,53 @@
         </a:ln>
       </dgm:spPr>
     </dgm:pt>
+    <dgm:pt modelId="{C7FEF9F4-A047-4385-A0ED-3E81FA81E5CB}" type="pres">
+      <dgm:prSet presAssocID="{CF986DE7-A973-4F4A-8C0E-6AA04E7E0A70}" presName="sibTrans" presStyleCnt="0"/>
+      <dgm:spPr/>
+    </dgm:pt>
+    <dgm:pt modelId="{FB4CF74B-F9B4-4D21-B850-FA9F94077616}" type="pres">
+      <dgm:prSet presAssocID="{5CF8C65C-6D83-4A6E-981A-925A055D5FF9}" presName="composite" presStyleCnt="0"/>
+      <dgm:spPr/>
+    </dgm:pt>
+    <dgm:pt modelId="{E91318AB-7E66-4260-AD6B-F4C5A3DB3F87}" type="pres">
+      <dgm:prSet presAssocID="{5CF8C65C-6D83-4A6E-981A-925A055D5FF9}" presName="rect1" presStyleLbl="trAlignAcc1" presStyleIdx="4" presStyleCnt="5" custScaleX="63286" custScaleY="25572" custLinFactNeighborX="-75775" custLinFactNeighborY="-16129">
+        <dgm:presLayoutVars>
+          <dgm:bulletEnabled val="1"/>
+        </dgm:presLayoutVars>
+      </dgm:prSet>
+      <dgm:spPr/>
+    </dgm:pt>
+    <dgm:pt modelId="{06EF0C83-4857-4910-ACC3-662D6A3283E5}" type="pres">
+      <dgm:prSet presAssocID="{5CF8C65C-6D83-4A6E-981A-925A055D5FF9}" presName="rect2" presStyleLbl="fgImgPlace1" presStyleIdx="4" presStyleCnt="5" custScaleX="56167" custScaleY="40830" custLinFactX="-107234" custLinFactNeighborX="-200000" custLinFactNeighborY="-4748"/>
+      <dgm:spPr>
+        <a:blipFill>
+          <a:blip xmlns:r="http://schemas.openxmlformats.org/officeDocument/2006/relationships" r:embed="rId5">
+            <a:extLst>
+              <a:ext uri="{28A0092B-C50C-407E-A947-70E740481C1C}">
+                <a14:useLocalDpi xmlns:a14="http://schemas.microsoft.com/office/drawing/2010/main" val="0"/>
+              </a:ext>
+            </a:extLst>
+          </a:blip>
+          <a:srcRect/>
+          <a:stretch>
+            <a:fillRect l="-21000" r="-21000"/>
+          </a:stretch>
+        </a:blipFill>
+        <a:ln>
+          <a:noFill/>
+        </a:ln>
+      </dgm:spPr>
+    </dgm:pt>
   </dgm:ptLst>
   <dgm:cxnLst>
     <dgm:cxn modelId="{C286F50A-CDCA-4DF2-9AB4-370C27192B2B}" type="presOf" srcId="{67F22716-79AF-4C74-9838-479C373292A7}" destId="{C51EF700-53DF-448E-84A2-B5902AD43FCF}" srcOrd="0" destOrd="0" presId="urn:microsoft.com/office/officeart/2008/layout/PictureStrips"/>
     <dgm:cxn modelId="{0C8C7074-FD34-4E67-BF51-4E2DC14D0FB6}" srcId="{64E239ED-4FDF-4B53-A84A-F19F5C1DBD1B}" destId="{ED4D9A10-9D74-4867-93D8-AF64646F5425}" srcOrd="3" destOrd="0" parTransId="{9E93BEA1-77C0-4A20-B03B-407B4966D2B8}" sibTransId="{CF986DE7-A973-4F4A-8C0E-6AA04E7E0A70}"/>
+    <dgm:cxn modelId="{86E1C6AC-DEBC-4182-BD0B-F974899D2C92}" type="presOf" srcId="{5CF8C65C-6D83-4A6E-981A-925A055D5FF9}" destId="{E91318AB-7E66-4260-AD6B-F4C5A3DB3F87}" srcOrd="0" destOrd="0" presId="urn:microsoft.com/office/officeart/2008/layout/PictureStrips"/>
     <dgm:cxn modelId="{7A9381D2-13B5-4F78-93D3-D3A9C4E117CC}" type="presOf" srcId="{8A4672D1-FFBF-45B1-875F-E879ACA26289}" destId="{BAD9C985-49FF-46DF-8BF0-CFF7A2DBF75C}" srcOrd="0" destOrd="0" presId="urn:microsoft.com/office/officeart/2008/layout/PictureStrips"/>
     <dgm:cxn modelId="{D24CBBD6-0C7C-45B1-869A-1D18DB8F9178}" srcId="{64E239ED-4FDF-4B53-A84A-F19F5C1DBD1B}" destId="{8A4672D1-FFBF-45B1-875F-E879ACA26289}" srcOrd="1" destOrd="0" parTransId="{6C3794A0-EEF3-40FC-BAB7-A2990D5B2CB8}" sibTransId="{7B228FFF-075F-4279-BFDB-559C68297B85}"/>
     <dgm:cxn modelId="{EB8AB1DE-1AC2-4F40-8562-E4AF3BFB6D49}" type="presOf" srcId="{ED4D9A10-9D74-4867-93D8-AF64646F5425}" destId="{879F43F5-6074-4DA6-B8C5-986CDA17E966}" srcOrd="0" destOrd="0" presId="urn:microsoft.com/office/officeart/2008/layout/PictureStrips"/>
     <dgm:cxn modelId="{F0C9C9E3-B2BF-4DFE-BB72-828EDD7146F6}" type="presOf" srcId="{64E239ED-4FDF-4B53-A84A-F19F5C1DBD1B}" destId="{7ED9A8BA-AEA9-4119-8DF2-2BB3795AFC80}" srcOrd="0" destOrd="0" presId="urn:microsoft.com/office/officeart/2008/layout/PictureStrips"/>
+    <dgm:cxn modelId="{297480F1-E715-4D23-9F68-FFA744D7645D}" srcId="{64E239ED-4FDF-4B53-A84A-F19F5C1DBD1B}" destId="{5CF8C65C-6D83-4A6E-981A-925A055D5FF9}" srcOrd="4" destOrd="0" parTransId="{8A2D220C-B710-442B-935A-10D3825E1336}" sibTransId="{1E96FAB4-D045-4123-A6FD-9F35F51B99EE}"/>
     <dgm:cxn modelId="{FC84A7F3-9650-4E23-AC40-2C7931D3CF76}" srcId="{64E239ED-4FDF-4B53-A84A-F19F5C1DBD1B}" destId="{6FBF323C-55C6-481D-B1B7-200D87AA9F3D}" srcOrd="2" destOrd="0" parTransId="{CC67C6B8-A411-4805-9B47-8E754D15737D}" sibTransId="{F0F074DE-968E-409A-9058-A2E6857AAF85}"/>
     <dgm:cxn modelId="{288477F7-3704-4574-968C-F5CFA8C8E7C7}" type="presOf" srcId="{6FBF323C-55C6-481D-B1B7-200D87AA9F3D}" destId="{95B02363-B7CF-46BB-97E3-7A7AB406D054}" srcOrd="0" destOrd="0" presId="urn:microsoft.com/office/officeart/2008/layout/PictureStrips"/>
     <dgm:cxn modelId="{97CDA5FF-FA6E-440F-A949-10896B303795}" srcId="{64E239ED-4FDF-4B53-A84A-F19F5C1DBD1B}" destId="{67F22716-79AF-4C74-9838-479C373292A7}" srcOrd="0" destOrd="0" parTransId="{7E4D2A49-B699-4251-97C0-7343CC30069F}" sibTransId="{B283A04A-B532-4EA4-B1E9-3F30B70932EF}"/>
@@ -1238,6 +1324,10 @@
     <dgm:cxn modelId="{EF838850-857A-4742-9D72-0C341EBDC1CA}" type="presParOf" srcId="{7ED9A8BA-AEA9-4119-8DF2-2BB3795AFC80}" destId="{FE0B441B-B66A-45F9-9218-3888BE795640}" srcOrd="6" destOrd="0" presId="urn:microsoft.com/office/officeart/2008/layout/PictureStrips"/>
     <dgm:cxn modelId="{EFD855C6-3800-4619-84DF-B5B5690B3ED8}" type="presParOf" srcId="{FE0B441B-B66A-45F9-9218-3888BE795640}" destId="{879F43F5-6074-4DA6-B8C5-986CDA17E966}" srcOrd="0" destOrd="0" presId="urn:microsoft.com/office/officeart/2008/layout/PictureStrips"/>
     <dgm:cxn modelId="{927DBE9C-E216-4A10-98C2-8FFDCA21F711}" type="presParOf" srcId="{FE0B441B-B66A-45F9-9218-3888BE795640}" destId="{781CE4AE-1BEC-48CA-9699-BC0A89F3E12F}" srcOrd="1" destOrd="0" presId="urn:microsoft.com/office/officeart/2008/layout/PictureStrips"/>
+    <dgm:cxn modelId="{B6D3C142-E68A-4C23-9579-68495B5F8245}" type="presParOf" srcId="{7ED9A8BA-AEA9-4119-8DF2-2BB3795AFC80}" destId="{C7FEF9F4-A047-4385-A0ED-3E81FA81E5CB}" srcOrd="7" destOrd="0" presId="urn:microsoft.com/office/officeart/2008/layout/PictureStrips"/>
+    <dgm:cxn modelId="{0D14AA67-380A-4FC3-8A29-7754E2A67AB5}" type="presParOf" srcId="{7ED9A8BA-AEA9-4119-8DF2-2BB3795AFC80}" destId="{FB4CF74B-F9B4-4D21-B850-FA9F94077616}" srcOrd="8" destOrd="0" presId="urn:microsoft.com/office/officeart/2008/layout/PictureStrips"/>
+    <dgm:cxn modelId="{ED070020-0F56-4B8A-A4C8-3A3A08450485}" type="presParOf" srcId="{FB4CF74B-F9B4-4D21-B850-FA9F94077616}" destId="{E91318AB-7E66-4260-AD6B-F4C5A3DB3F87}" srcOrd="0" destOrd="0" presId="urn:microsoft.com/office/officeart/2008/layout/PictureStrips"/>
+    <dgm:cxn modelId="{A3C5EC80-823D-4E26-86F2-96D7418DD4CB}" type="presParOf" srcId="{FB4CF74B-F9B4-4D21-B850-FA9F94077616}" destId="{06EF0C83-4857-4910-ACC3-662D6A3283E5}" srcOrd="1" destOrd="0" presId="urn:microsoft.com/office/officeart/2008/layout/PictureStrips"/>
   </dgm:cxnLst>
   <dgm:bg/>
   <dgm:whole/>
@@ -1264,8 +1354,8 @@
       </dsp:nvSpPr>
       <dsp:spPr>
         <a:xfrm>
-          <a:off x="2086395" y="483711"/>
-          <a:ext cx="3446986" cy="716093"/>
+          <a:off x="2230978" y="157323"/>
+          <a:ext cx="4709180" cy="588122"/>
         </a:xfrm>
         <a:prstGeom prst="rect">
           <a:avLst/>
@@ -1293,12 +1383,12 @@
         <a:fontRef idx="minor"/>
       </dsp:style>
       <dsp:txBody>
-        <a:bodyPr spcFirstLastPara="0" vert="horz" wrap="square" lIns="1141767" tIns="114300" rIns="114300" bIns="114300" numCol="1" spcCol="1270" anchor="ctr" anchorCtr="0">
+        <a:bodyPr spcFirstLastPara="0" vert="horz" wrap="square" lIns="1559852" tIns="95250" rIns="95250" bIns="95250" numCol="1" spcCol="1270" anchor="ctr" anchorCtr="0">
           <a:noAutofit/>
         </a:bodyPr>
         <a:lstStyle/>
         <a:p>
-          <a:pPr marL="0" lvl="0" indent="0" algn="l" defTabSz="1333500">
+          <a:pPr marL="0" lvl="0" indent="0" algn="l" defTabSz="1111250">
             <a:lnSpc>
               <a:spcPct val="90000"/>
             </a:lnSpc>
@@ -1311,14 +1401,14 @@
             <a:buNone/>
           </a:pPr>
           <a:r>
-            <a:rPr lang="de-CH" sz="3000" kern="1200" dirty="0"/>
+            <a:rPr lang="de-CH" sz="2500" kern="1200" dirty="0"/>
             <a:t>Use Cases</a:t>
           </a:r>
         </a:p>
       </dsp:txBody>
       <dsp:txXfrm>
-        <a:off x="2086395" y="483711"/>
-        <a:ext cx="3446986" cy="716093"/>
+        <a:off x="2230978" y="157323"/>
+        <a:ext cx="4709180" cy="588122"/>
       </dsp:txXfrm>
     </dsp:sp>
     <dsp:sp modelId="{D9CB68A9-60FA-42F9-8EED-2E75019E0427}">
@@ -1328,8 +1418,8 @@
       </dsp:nvSpPr>
       <dsp:spPr>
         <a:xfrm>
-          <a:off x="1357233" y="247253"/>
-          <a:ext cx="1519986" cy="1181751"/>
+          <a:off x="1371447" y="0"/>
+          <a:ext cx="1387879" cy="959565"/>
         </a:xfrm>
         <a:prstGeom prst="rect">
           <a:avLst/>
@@ -1374,8 +1464,8 @@
       </dsp:nvSpPr>
       <dsp:spPr>
         <a:xfrm>
-          <a:off x="2097022" y="1752064"/>
-          <a:ext cx="3446986" cy="716093"/>
+          <a:off x="2230167" y="1104990"/>
+          <a:ext cx="4709180" cy="588122"/>
         </a:xfrm>
         <a:prstGeom prst="rect">
           <a:avLst/>
@@ -1405,12 +1495,12 @@
         <a:fontRef idx="minor"/>
       </dsp:style>
       <dsp:txBody>
-        <a:bodyPr spcFirstLastPara="0" vert="horz" wrap="square" lIns="1141767" tIns="114300" rIns="114300" bIns="114300" numCol="1" spcCol="1270" anchor="ctr" anchorCtr="0">
+        <a:bodyPr spcFirstLastPara="0" vert="horz" wrap="square" lIns="1559852" tIns="95250" rIns="95250" bIns="95250" numCol="1" spcCol="1270" anchor="ctr" anchorCtr="0">
           <a:noAutofit/>
         </a:bodyPr>
         <a:lstStyle/>
         <a:p>
-          <a:pPr marL="0" lvl="0" indent="0" algn="l" defTabSz="1333500">
+          <a:pPr marL="0" lvl="0" indent="0" algn="l" defTabSz="1111250">
             <a:lnSpc>
               <a:spcPct val="90000"/>
             </a:lnSpc>
@@ -1423,14 +1513,14 @@
             <a:buNone/>
           </a:pPr>
           <a:r>
-            <a:rPr lang="de-CH" sz="3000" kern="1200" dirty="0"/>
+            <a:rPr lang="de-CH" sz="2500" kern="1200" dirty="0"/>
             <a:t>Live Demo</a:t>
           </a:r>
         </a:p>
       </dsp:txBody>
       <dsp:txXfrm>
-        <a:off x="2097022" y="1752064"/>
-        <a:ext cx="3446986" cy="716093"/>
+        <a:off x="2230167" y="1104990"/>
+        <a:ext cx="4709180" cy="588122"/>
       </dsp:txXfrm>
     </dsp:sp>
     <dsp:sp modelId="{563DB968-CE4A-478C-A4FE-C4031E27BFAD}">
@@ -1440,8 +1530,8 @@
       </dsp:nvSpPr>
       <dsp:spPr>
         <a:xfrm>
-          <a:off x="1367865" y="1525918"/>
-          <a:ext cx="1519986" cy="1181751"/>
+          <a:off x="1338448" y="924650"/>
+          <a:ext cx="1387879" cy="959565"/>
         </a:xfrm>
         <a:prstGeom prst="rect">
           <a:avLst/>
@@ -1486,8 +1576,8 @@
       </dsp:nvSpPr>
       <dsp:spPr>
         <a:xfrm>
-          <a:off x="2106520" y="3065740"/>
-          <a:ext cx="3446986" cy="716093"/>
+          <a:off x="2255960" y="2102354"/>
+          <a:ext cx="4709180" cy="588122"/>
         </a:xfrm>
         <a:prstGeom prst="rect">
           <a:avLst/>
@@ -1517,12 +1607,12 @@
         <a:fontRef idx="minor"/>
       </dsp:style>
       <dsp:txBody>
-        <a:bodyPr spcFirstLastPara="0" vert="horz" wrap="square" lIns="1141767" tIns="114300" rIns="114300" bIns="114300" numCol="1" spcCol="1270" anchor="ctr" anchorCtr="0">
+        <a:bodyPr spcFirstLastPara="0" vert="horz" wrap="square" lIns="1559852" tIns="95250" rIns="95250" bIns="95250" numCol="1" spcCol="1270" anchor="ctr" anchorCtr="0">
           <a:noAutofit/>
         </a:bodyPr>
         <a:lstStyle/>
         <a:p>
-          <a:pPr marL="0" lvl="0" indent="0" algn="l" defTabSz="1333500">
+          <a:pPr marL="0" lvl="0" indent="0" algn="l" defTabSz="1111250">
             <a:lnSpc>
               <a:spcPct val="90000"/>
             </a:lnSpc>
@@ -1535,15 +1625,15 @@
             <a:buNone/>
           </a:pPr>
           <a:r>
-            <a:rPr lang="de-CH" sz="3000" kern="1200" dirty="0" err="1"/>
+            <a:rPr lang="de-CH" sz="2500" kern="1200" dirty="0" err="1"/>
             <a:t>Challanges</a:t>
           </a:r>
-          <a:endParaRPr lang="de-CH" sz="3000" kern="1200" dirty="0"/>
+          <a:endParaRPr lang="de-CH" sz="2500" kern="1200" dirty="0"/>
         </a:p>
       </dsp:txBody>
       <dsp:txXfrm>
-        <a:off x="2106520" y="3065740"/>
-        <a:ext cx="3446986" cy="716093"/>
+        <a:off x="2255960" y="2102354"/>
+        <a:ext cx="4709180" cy="588122"/>
       </dsp:txXfrm>
     </dsp:sp>
     <dsp:sp modelId="{1EBB471C-81C4-4EFF-AE3F-F7999F4AC4CE}">
@@ -1553,8 +1643,8 @@
       </dsp:nvSpPr>
       <dsp:spPr>
         <a:xfrm>
-          <a:off x="1369981" y="2822195"/>
-          <a:ext cx="1519986" cy="1181751"/>
+          <a:off x="1263649" y="1819063"/>
+          <a:ext cx="1387879" cy="959565"/>
         </a:xfrm>
         <a:prstGeom prst="rect">
           <a:avLst/>
@@ -1599,8 +1689,8 @@
       </dsp:nvSpPr>
       <dsp:spPr>
         <a:xfrm>
-          <a:off x="2056346" y="4306266"/>
-          <a:ext cx="3446986" cy="716093"/>
+          <a:off x="2212889" y="3088223"/>
+          <a:ext cx="4709180" cy="588122"/>
         </a:xfrm>
         <a:prstGeom prst="rect">
           <a:avLst/>
@@ -1630,12 +1720,12 @@
         <a:fontRef idx="minor"/>
       </dsp:style>
       <dsp:txBody>
-        <a:bodyPr spcFirstLastPara="0" vert="horz" wrap="square" lIns="1141767" tIns="114300" rIns="114300" bIns="114300" numCol="1" spcCol="1270" anchor="ctr" anchorCtr="0">
+        <a:bodyPr spcFirstLastPara="0" vert="horz" wrap="square" lIns="1559852" tIns="95250" rIns="95250" bIns="95250" numCol="1" spcCol="1270" anchor="ctr" anchorCtr="0">
           <a:noAutofit/>
         </a:bodyPr>
         <a:lstStyle/>
         <a:p>
-          <a:pPr marL="0" lvl="0" indent="0" algn="l" defTabSz="1333500">
+          <a:pPr marL="0" lvl="0" indent="0" algn="l" defTabSz="1111250">
             <a:lnSpc>
               <a:spcPct val="90000"/>
             </a:lnSpc>
@@ -1648,15 +1738,15 @@
             <a:buNone/>
           </a:pPr>
           <a:r>
-            <a:rPr lang="de-CH" sz="3000" kern="1200" dirty="0" err="1"/>
+            <a:rPr lang="de-CH" sz="2500" kern="1200" dirty="0" err="1"/>
             <a:t>Technically</a:t>
           </a:r>
-          <a:endParaRPr lang="de-CH" sz="3000" kern="1200" dirty="0"/>
+          <a:endParaRPr lang="de-CH" sz="2500" kern="1200" dirty="0"/>
         </a:p>
       </dsp:txBody>
       <dsp:txXfrm>
-        <a:off x="2056346" y="4306266"/>
-        <a:ext cx="3446986" cy="716093"/>
+        <a:off x="2212889" y="3088223"/>
+        <a:ext cx="4709180" cy="588122"/>
       </dsp:txXfrm>
     </dsp:sp>
     <dsp:sp modelId="{781CE4AE-1BEC-48CA-9699-BC0A89F3E12F}">
@@ -1666,8 +1756,8 @@
       </dsp:nvSpPr>
       <dsp:spPr>
         <a:xfrm>
-          <a:off x="1370940" y="4107419"/>
-          <a:ext cx="1472480" cy="1184406"/>
+          <a:off x="1263652" y="2794417"/>
+          <a:ext cx="1348997" cy="964933"/>
         </a:xfrm>
         <a:prstGeom prst="rect">
           <a:avLst/>
@@ -1683,6 +1773,118 @@
           <a:srcRect/>
           <a:stretch>
             <a:fillRect t="-3000" b="-3000"/>
+          </a:stretch>
+        </a:blipFill>
+        <a:ln w="12700" cap="flat" cmpd="sng" algn="ctr">
+          <a:noFill/>
+          <a:prstDash val="solid"/>
+          <a:miter lim="800000"/>
+        </a:ln>
+        <a:effectLst/>
+      </dsp:spPr>
+      <dsp:style>
+        <a:lnRef idx="2">
+          <a:scrgbClr r="0" g="0" b="0"/>
+        </a:lnRef>
+        <a:fillRef idx="1">
+          <a:scrgbClr r="0" g="0" b="0"/>
+        </a:fillRef>
+        <a:effectRef idx="0">
+          <a:scrgbClr r="0" g="0" b="0"/>
+        </a:effectRef>
+        <a:fontRef idx="minor"/>
+      </dsp:style>
+    </dsp:sp>
+    <dsp:sp modelId="{E91318AB-7E66-4260-AD6B-F4C5A3DB3F87}">
+      <dsp:nvSpPr>
+        <dsp:cNvPr id="0" name=""/>
+        <dsp:cNvSpPr/>
+      </dsp:nvSpPr>
+      <dsp:spPr>
+        <a:xfrm>
+          <a:off x="2310099" y="4116144"/>
+          <a:ext cx="4663785" cy="588905"/>
+        </a:xfrm>
+        <a:prstGeom prst="rect">
+          <a:avLst/>
+        </a:prstGeom>
+        <a:solidFill>
+          <a:srgbClr val="F5ADA9">
+            <a:alpha val="40000"/>
+          </a:srgbClr>
+        </a:solidFill>
+        <a:ln w="6350" cap="flat" cmpd="sng" algn="ctr">
+          <a:noFill/>
+          <a:prstDash val="solid"/>
+          <a:miter lim="800000"/>
+        </a:ln>
+        <a:effectLst/>
+      </dsp:spPr>
+      <dsp:style>
+        <a:lnRef idx="1">
+          <a:scrgbClr r="0" g="0" b="0"/>
+        </a:lnRef>
+        <a:fillRef idx="1">
+          <a:scrgbClr r="0" g="0" b="0"/>
+        </a:fillRef>
+        <a:effectRef idx="0">
+          <a:scrgbClr r="0" g="0" b="0"/>
+        </a:effectRef>
+        <a:fontRef idx="minor"/>
+      </dsp:style>
+      <dsp:txBody>
+        <a:bodyPr spcFirstLastPara="0" vert="horz" wrap="square" lIns="1559852" tIns="95250" rIns="95250" bIns="95250" numCol="1" spcCol="1270" anchor="ctr" anchorCtr="0">
+          <a:noAutofit/>
+        </a:bodyPr>
+        <a:lstStyle/>
+        <a:p>
+          <a:pPr marL="0" lvl="0" indent="0" algn="l" defTabSz="1111250">
+            <a:lnSpc>
+              <a:spcPct val="90000"/>
+            </a:lnSpc>
+            <a:spcBef>
+              <a:spcPct val="0"/>
+            </a:spcBef>
+            <a:spcAft>
+              <a:spcPct val="35000"/>
+            </a:spcAft>
+            <a:buNone/>
+          </a:pPr>
+          <a:r>
+            <a:rPr lang="de-CH" sz="2500" kern="1200" dirty="0"/>
+            <a:t>Further Developments</a:t>
+          </a:r>
+        </a:p>
+      </dsp:txBody>
+      <dsp:txXfrm>
+        <a:off x="2310099" y="4116144"/>
+        <a:ext cx="4663785" cy="588905"/>
+      </dsp:txXfrm>
+    </dsp:sp>
+    <dsp:sp modelId="{06EF0C83-4857-4910-ACC3-662D6A3283E5}">
+      <dsp:nvSpPr>
+        <dsp:cNvPr id="0" name=""/>
+        <dsp:cNvSpPr/>
+      </dsp:nvSpPr>
+      <dsp:spPr>
+        <a:xfrm>
+          <a:off x="1634926" y="3898503"/>
+          <a:ext cx="905441" cy="987301"/>
+        </a:xfrm>
+        <a:prstGeom prst="rect">
+          <a:avLst/>
+        </a:prstGeom>
+        <a:blipFill>
+          <a:blip xmlns:r="http://schemas.openxmlformats.org/officeDocument/2006/relationships" r:embed="rId5">
+            <a:extLst>
+              <a:ext uri="{28A0092B-C50C-407E-A947-70E740481C1C}">
+                <a14:useLocalDpi xmlns:a14="http://schemas.microsoft.com/office/drawing/2010/main" val="0"/>
+              </a:ext>
+            </a:extLst>
+          </a:blip>
+          <a:srcRect/>
+          <a:stretch>
+            <a:fillRect l="-21000" r="-21000"/>
           </a:stretch>
         </a:blipFill>
         <a:ln w="12700" cap="flat" cmpd="sng" algn="ctr">
@@ -6163,14 +6365,14 @@
           <p:nvPr>
             <p:extLst>
               <p:ext uri="{D42A27DB-BD31-4B8C-83A1-F6EECF244321}">
-                <p14:modId xmlns:p14="http://schemas.microsoft.com/office/powerpoint/2010/main" val="1197698882"/>
+                <p14:modId xmlns:p14="http://schemas.microsoft.com/office/powerpoint/2010/main" val="2281310836"/>
               </p:ext>
             </p:extLst>
           </p:nvPr>
         </p:nvGraphicFramePr>
         <p:xfrm>
-          <a:off x="-425450" y="1469056"/>
-          <a:ext cx="9920324" cy="5374013"/>
+          <a:off x="-425450" y="1690688"/>
+          <a:ext cx="12617450" cy="5152381"/>
         </p:xfrm>
         <a:graphic>
           <a:graphicData uri="http://schemas.openxmlformats.org/drawingml/2006/diagram">
@@ -6391,6 +6593,69 @@
           </a:effectLst>
         </p:spPr>
       </p:pic>
+      <p:sp>
+        <p:nvSpPr>
+          <p:cNvPr id="8" name="Rechteck 7">
+            <a:extLst>
+              <a:ext uri="{FF2B5EF4-FFF2-40B4-BE49-F238E27FC236}">
+                <a16:creationId xmlns:a16="http://schemas.microsoft.com/office/drawing/2014/main" id="{D21A8A6F-112D-4600-96CC-DED711DD121D}"/>
+              </a:ext>
+            </a:extLst>
+          </p:cNvPr>
+          <p:cNvSpPr/>
+          <p:nvPr/>
+        </p:nvSpPr>
+        <p:spPr>
+          <a:xfrm>
+            <a:off x="10593807" y="365125"/>
+            <a:ext cx="1519986" cy="1181751"/>
+          </a:xfrm>
+          <a:prstGeom prst="rect">
+            <a:avLst/>
+          </a:prstGeom>
+          <a:blipFill>
+            <a:blip r:embed="rId3" cstate="print">
+              <a:extLst>
+                <a:ext uri="{28A0092B-C50C-407E-A947-70E740481C1C}">
+                  <a14:useLocalDpi xmlns:a14="http://schemas.microsoft.com/office/drawing/2010/main" val="0"/>
+                </a:ext>
+              </a:extLst>
+            </a:blip>
+            <a:srcRect/>
+            <a:stretch>
+              <a:fillRect t="-14000" b="-14000"/>
+            </a:stretch>
+          </a:blipFill>
+          <a:ln>
+            <a:noFill/>
+          </a:ln>
+        </p:spPr>
+        <p:style>
+          <a:lnRef idx="2">
+            <a:scrgbClr r="0" g="0" b="0"/>
+          </a:lnRef>
+          <a:fillRef idx="1">
+            <a:scrgbClr r="0" g="0" b="0"/>
+          </a:fillRef>
+          <a:effectRef idx="0">
+            <a:schemeClr val="accent1">
+              <a:tint val="50000"/>
+              <a:hueOff val="0"/>
+              <a:satOff val="0"/>
+              <a:lumOff val="0"/>
+              <a:alphaOff val="0"/>
+            </a:schemeClr>
+          </a:effectRef>
+          <a:fontRef idx="minor">
+            <a:schemeClr val="lt1">
+              <a:hueOff val="0"/>
+              <a:satOff val="0"/>
+              <a:lumOff val="0"/>
+              <a:alphaOff val="0"/>
+            </a:schemeClr>
+          </a:fontRef>
+        </p:style>
+      </p:sp>
     </p:spTree>
     <p:extLst>
       <p:ext uri="{BB962C8B-B14F-4D97-AF65-F5344CB8AC3E}">
@@ -6514,6 +6779,69 @@
           </a:p>
         </p:txBody>
       </p:sp>
+      <p:sp>
+        <p:nvSpPr>
+          <p:cNvPr id="4" name="Rechteck 3">
+            <a:extLst>
+              <a:ext uri="{FF2B5EF4-FFF2-40B4-BE49-F238E27FC236}">
+                <a16:creationId xmlns:a16="http://schemas.microsoft.com/office/drawing/2014/main" id="{633FF777-B2B3-44DD-A854-FC71D93E0B88}"/>
+              </a:ext>
+            </a:extLst>
+          </p:cNvPr>
+          <p:cNvSpPr/>
+          <p:nvPr/>
+        </p:nvSpPr>
+        <p:spPr>
+          <a:xfrm>
+            <a:off x="1724588" y="3184455"/>
+            <a:ext cx="2191629" cy="1993466"/>
+          </a:xfrm>
+          <a:prstGeom prst="rect">
+            <a:avLst/>
+          </a:prstGeom>
+          <a:blipFill dpi="0" rotWithShape="1">
+            <a:blip r:embed="rId2">
+              <a:extLst>
+                <a:ext uri="{28A0092B-C50C-407E-A947-70E740481C1C}">
+                  <a14:useLocalDpi xmlns:a14="http://schemas.microsoft.com/office/drawing/2010/main" val="0"/>
+                </a:ext>
+              </a:extLst>
+            </a:blip>
+            <a:srcRect/>
+            <a:stretch>
+              <a:fillRect b="-14000"/>
+            </a:stretch>
+          </a:blipFill>
+          <a:ln>
+            <a:noFill/>
+          </a:ln>
+        </p:spPr>
+        <p:style>
+          <a:lnRef idx="2">
+            <a:scrgbClr r="0" g="0" b="0"/>
+          </a:lnRef>
+          <a:fillRef idx="1">
+            <a:scrgbClr r="0" g="0" b="0"/>
+          </a:fillRef>
+          <a:effectRef idx="0">
+            <a:schemeClr val="accent1">
+              <a:tint val="50000"/>
+              <a:hueOff val="0"/>
+              <a:satOff val="0"/>
+              <a:lumOff val="0"/>
+              <a:alphaOff val="0"/>
+            </a:schemeClr>
+          </a:effectRef>
+          <a:fontRef idx="minor">
+            <a:schemeClr val="lt1">
+              <a:hueOff val="0"/>
+              <a:satOff val="0"/>
+              <a:lumOff val="0"/>
+              <a:alphaOff val="0"/>
+            </a:schemeClr>
+          </a:fontRef>
+        </p:style>
+      </p:sp>
     </p:spTree>
     <p:extLst>
       <p:ext uri="{BB962C8B-B14F-4D97-AF65-F5344CB8AC3E}">
@@ -6652,13 +6980,105 @@
           <a:p>
             <a:r>
               <a:rPr lang="en-US" dirty="0"/>
-              <a:t>Big Team</a:t>
+              <a:t>Big Team  - to organization the tasks</a:t>
+            </a:r>
+          </a:p>
+          <a:p>
+            <a:r>
+              <a:rPr lang="en-US" dirty="0"/>
+              <a:t>The Search Algorithm</a:t>
+            </a:r>
+          </a:p>
+          <a:p>
+            <a:r>
+              <a:rPr lang="en-US" dirty="0"/>
+              <a:t>Understanding of </a:t>
+            </a:r>
+            <a:r>
+              <a:rPr lang="en-US" dirty="0" err="1"/>
+              <a:t>Algolia</a:t>
+            </a:r>
+            <a:r>
+              <a:rPr lang="en-US" dirty="0"/>
+              <a:t> (NoSQL)</a:t>
+            </a:r>
+          </a:p>
+          <a:p>
+            <a:r>
+              <a:rPr lang="en-US" dirty="0"/>
+              <a:t>Extracting the needed Information from Google Cloud Vision </a:t>
             </a:r>
           </a:p>
           <a:p>
             <a:endParaRPr lang="en-US" dirty="0"/>
           </a:p>
-        </p:txBody>
+          <a:p>
+            <a:endParaRPr lang="en-US" dirty="0"/>
+          </a:p>
+        </p:txBody>
+      </p:sp>
+      <p:sp>
+        <p:nvSpPr>
+          <p:cNvPr id="7" name="Rechteck 6">
+            <a:extLst>
+              <a:ext uri="{FF2B5EF4-FFF2-40B4-BE49-F238E27FC236}">
+                <a16:creationId xmlns:a16="http://schemas.microsoft.com/office/drawing/2014/main" id="{8D954A73-1BDA-480F-89CE-536B40D052FF}"/>
+              </a:ext>
+            </a:extLst>
+          </p:cNvPr>
+          <p:cNvSpPr/>
+          <p:nvPr/>
+        </p:nvSpPr>
+        <p:spPr>
+          <a:xfrm>
+            <a:off x="10593807" y="311732"/>
+            <a:ext cx="1519986" cy="1181751"/>
+          </a:xfrm>
+          <a:prstGeom prst="rect">
+            <a:avLst/>
+          </a:prstGeom>
+          <a:blipFill dpi="0" rotWithShape="1">
+            <a:blip r:embed="rId2">
+              <a:extLst>
+                <a:ext uri="{28A0092B-C50C-407E-A947-70E740481C1C}">
+                  <a14:useLocalDpi xmlns:a14="http://schemas.microsoft.com/office/drawing/2010/main" val="0"/>
+                </a:ext>
+              </a:extLst>
+            </a:blip>
+            <a:srcRect/>
+            <a:stretch>
+              <a:fillRect t="2000" b="-8000"/>
+            </a:stretch>
+          </a:blipFill>
+          <a:ln>
+            <a:noFill/>
+          </a:ln>
+        </p:spPr>
+        <p:style>
+          <a:lnRef idx="2">
+            <a:scrgbClr r="0" g="0" b="0"/>
+          </a:lnRef>
+          <a:fillRef idx="1">
+            <a:scrgbClr r="0" g="0" b="0"/>
+          </a:fillRef>
+          <a:effectRef idx="0">
+            <a:schemeClr val="accent1">
+              <a:tint val="50000"/>
+              <a:hueOff val="0"/>
+              <a:satOff val="0"/>
+              <a:lumOff val="0"/>
+              <a:alphaOff val="0"/>
+            </a:schemeClr>
+          </a:effectRef>
+          <a:fontRef idx="minor">
+            <a:schemeClr val="lt1">
+              <a:hueOff val="0"/>
+              <a:satOff val="0"/>
+              <a:lumOff val="0"/>
+              <a:alphaOff val="0"/>
+            </a:schemeClr>
+          </a:fontRef>
+        </p:style>
       </p:sp>
     </p:spTree>
     <p:extLst>
@@ -6892,21 +7312,8 @@
                   <a:schemeClr val="tx1"/>
                 </a:solidFill>
               </a:rPr>
-              <a:t>Bill </a:t>
-            </a:r>
-            <a:r>
-              <a:rPr lang="de-CH" sz="2800" dirty="0" err="1">
-                <a:solidFill>
-                  <a:schemeClr val="tx1"/>
-                </a:solidFill>
-              </a:rPr>
-              <a:t>scanner</a:t>
-            </a:r>
-            <a:endParaRPr lang="de-CH" sz="2800" dirty="0">
-              <a:solidFill>
-                <a:schemeClr val="tx1"/>
-              </a:solidFill>
-            </a:endParaRPr>
+              <a:t>Bill Scanner</a:t>
+            </a:r>
           </a:p>
         </p:txBody>
       </p:sp>
@@ -6969,7 +7376,7 @@
                   <a:schemeClr val="tx1"/>
                 </a:solidFill>
               </a:rPr>
-              <a:t>Search Service </a:t>
+              <a:t>Search-Service </a:t>
             </a:r>
           </a:p>
         </p:txBody>
@@ -7675,6 +8082,160 @@
           </a:p>
         </p:txBody>
       </p:sp>
+      <p:sp>
+        <p:nvSpPr>
+          <p:cNvPr id="9" name="Wolke 8">
+            <a:extLst>
+              <a:ext uri="{FF2B5EF4-FFF2-40B4-BE49-F238E27FC236}">
+                <a16:creationId xmlns:a16="http://schemas.microsoft.com/office/drawing/2014/main" id="{71E6BC57-B0E0-41B9-B857-2840C0E20797}"/>
+              </a:ext>
+            </a:extLst>
+          </p:cNvPr>
+          <p:cNvSpPr/>
+          <p:nvPr/>
+        </p:nvSpPr>
+        <p:spPr>
+          <a:xfrm>
+            <a:off x="10049367" y="2105456"/>
+            <a:ext cx="1914453" cy="1424709"/>
+          </a:xfrm>
+          <a:prstGeom prst="cloud">
+            <a:avLst/>
+          </a:prstGeom>
+          <a:solidFill>
+            <a:schemeClr val="accent1">
+              <a:lumMod val="20000"/>
+              <a:lumOff val="80000"/>
+            </a:schemeClr>
+          </a:solidFill>
+          <a:ln>
+            <a:solidFill>
+              <a:schemeClr val="accent1">
+                <a:lumMod val="60000"/>
+                <a:lumOff val="40000"/>
+              </a:schemeClr>
+            </a:solidFill>
+          </a:ln>
+        </p:spPr>
+        <p:style>
+          <a:lnRef idx="2">
+            <a:schemeClr val="accent1">
+              <a:shade val="50000"/>
+            </a:schemeClr>
+          </a:lnRef>
+          <a:fillRef idx="1">
+            <a:schemeClr val="accent1"/>
+          </a:fillRef>
+          <a:effectRef idx="0">
+            <a:schemeClr val="accent1"/>
+          </a:effectRef>
+          <a:fontRef idx="minor">
+            <a:schemeClr val="lt1"/>
+          </a:fontRef>
+        </p:style>
+        <p:txBody>
+          <a:bodyPr rtlCol="0" anchor="ctr"/>
+          <a:lstStyle/>
+          <a:p>
+            <a:pPr algn="ctr"/>
+            <a:r>
+              <a:rPr lang="de-CH" dirty="0">
+                <a:solidFill>
+                  <a:schemeClr val="tx1"/>
+                </a:solidFill>
+              </a:rPr>
+              <a:t>Google Cloud Vision</a:t>
+            </a:r>
+          </a:p>
+        </p:txBody>
+      </p:sp>
+      <p:cxnSp>
+        <p:nvCxnSpPr>
+          <p:cNvPr id="13" name="Gerader Verbinder 12">
+            <a:extLst>
+              <a:ext uri="{FF2B5EF4-FFF2-40B4-BE49-F238E27FC236}">
+                <a16:creationId xmlns:a16="http://schemas.microsoft.com/office/drawing/2014/main" id="{ADE42E3E-6C2F-4486-88B9-C27D9530ECD7}"/>
+              </a:ext>
+            </a:extLst>
+          </p:cNvPr>
+          <p:cNvCxnSpPr>
+            <a:stCxn id="6" idx="3"/>
+            <a:endCxn id="9" idx="2"/>
+          </p:cNvCxnSpPr>
+          <p:nvPr/>
+        </p:nvCxnSpPr>
+        <p:spPr>
+          <a:xfrm flipV="1">
+            <a:off x="9185563" y="2817811"/>
+            <a:ext cx="869742" cy="1"/>
+          </a:xfrm>
+          <a:prstGeom prst="line">
+            <a:avLst/>
+          </a:prstGeom>
+          <a:ln w="28575"/>
+        </p:spPr>
+        <p:style>
+          <a:lnRef idx="1">
+            <a:schemeClr val="dk1"/>
+          </a:lnRef>
+          <a:fillRef idx="0">
+            <a:schemeClr val="dk1"/>
+          </a:fillRef>
+          <a:effectRef idx="0">
+            <a:schemeClr val="dk1"/>
+          </a:effectRef>
+          <a:fontRef idx="minor">
+            <a:schemeClr val="tx1"/>
+          </a:fontRef>
+        </p:style>
+      </p:cxnSp>
+      <p:sp>
+        <p:nvSpPr>
+          <p:cNvPr id="18" name="Textfeld 17">
+            <a:extLst>
+              <a:ext uri="{FF2B5EF4-FFF2-40B4-BE49-F238E27FC236}">
+                <a16:creationId xmlns:a16="http://schemas.microsoft.com/office/drawing/2014/main" id="{83A8064C-DABF-4B6B-B9B8-62554AE42494}"/>
+              </a:ext>
+            </a:extLst>
+          </p:cNvPr>
+          <p:cNvSpPr txBox="1"/>
+          <p:nvPr/>
+        </p:nvSpPr>
+        <p:spPr>
+          <a:xfrm>
+            <a:off x="9175475" y="1892181"/>
+            <a:ext cx="1005507" cy="923330"/>
+          </a:xfrm>
+          <a:prstGeom prst="rect">
+            <a:avLst/>
+          </a:prstGeom>
+          <a:noFill/>
+        </p:spPr>
+        <p:txBody>
+          <a:bodyPr wrap="square" rtlCol="0">
+            <a:spAutoFit/>
+          </a:bodyPr>
+          <a:lstStyle/>
+          <a:p>
+            <a:r>
+              <a:rPr lang="de-CH" dirty="0" err="1"/>
+              <a:t>Convert</a:t>
+            </a:r>
+            <a:r>
+              <a:rPr lang="de-CH" dirty="0"/>
+              <a:t> Picture </a:t>
+            </a:r>
+            <a:r>
+              <a:rPr lang="de-CH" dirty="0" err="1"/>
+              <a:t>into</a:t>
+            </a:r>
+            <a:r>
+              <a:rPr lang="de-CH" dirty="0"/>
+              <a:t> Text</a:t>
+            </a:r>
+          </a:p>
+        </p:txBody>
+      </p:sp>
     </p:spTree>
     <p:extLst>
       <p:ext uri="{BB962C8B-B14F-4D97-AF65-F5344CB8AC3E}">
@@ -7689,6 +8250,671 @@
 </file>
 
 <file path=ppt/slides/slide7.xml><?xml version="1.0" encoding="utf-8"?>
+<p:sld xmlns:a="http://schemas.openxmlformats.org/drawingml/2006/main" xmlns:r="http://schemas.openxmlformats.org/officeDocument/2006/relationships" xmlns:p="http://schemas.openxmlformats.org/presentationml/2006/main">
+  <p:cSld>
+    <p:spTree>
+      <p:nvGrpSpPr>
+        <p:cNvPr id="1" name=""/>
+        <p:cNvGrpSpPr/>
+        <p:nvPr/>
+      </p:nvGrpSpPr>
+      <p:grpSpPr>
+        <a:xfrm>
+          <a:off x="0" y="0"/>
+          <a:ext cx="0" cy="0"/>
+          <a:chOff x="0" y="0"/>
+          <a:chExt cx="0" cy="0"/>
+        </a:xfrm>
+      </p:grpSpPr>
+      <p:sp>
+        <p:nvSpPr>
+          <p:cNvPr id="6" name="Rectangle 3">
+            <a:extLst>
+              <a:ext uri="{FF2B5EF4-FFF2-40B4-BE49-F238E27FC236}">
+                <a16:creationId xmlns:a16="http://schemas.microsoft.com/office/drawing/2014/main" id="{84FB8335-F009-4FA7-9329-80D142C03716}"/>
+              </a:ext>
+            </a:extLst>
+          </p:cNvPr>
+          <p:cNvSpPr/>
+          <p:nvPr/>
+        </p:nvSpPr>
+        <p:spPr>
+          <a:xfrm>
+            <a:off x="-314035" y="366583"/>
+            <a:ext cx="13078690" cy="1161536"/>
+          </a:xfrm>
+          <a:prstGeom prst="rect">
+            <a:avLst/>
+          </a:prstGeom>
+          <a:solidFill>
+            <a:srgbClr val="EC6058"/>
+          </a:solidFill>
+          <a:ln>
+            <a:noFill/>
+          </a:ln>
+        </p:spPr>
+        <p:style>
+          <a:lnRef idx="2">
+            <a:schemeClr val="accent1">
+              <a:shade val="50000"/>
+            </a:schemeClr>
+          </a:lnRef>
+          <a:fillRef idx="1">
+            <a:schemeClr val="accent1"/>
+          </a:fillRef>
+          <a:effectRef idx="0">
+            <a:schemeClr val="accent1"/>
+          </a:effectRef>
+          <a:fontRef idx="minor">
+            <a:schemeClr val="lt1"/>
+          </a:fontRef>
+        </p:style>
+        <p:txBody>
+          <a:bodyPr rtlCol="0" anchor="ctr"/>
+          <a:lstStyle/>
+          <a:p>
+            <a:pPr algn="ctr"/>
+            <a:endParaRPr lang="en-US"/>
+          </a:p>
+        </p:txBody>
+      </p:sp>
+      <p:sp>
+        <p:nvSpPr>
+          <p:cNvPr id="2" name="Title 1">
+            <a:extLst>
+              <a:ext uri="{FF2B5EF4-FFF2-40B4-BE49-F238E27FC236}">
+                <a16:creationId xmlns:a16="http://schemas.microsoft.com/office/drawing/2014/main" id="{E238EBBA-F639-4D9D-A0E4-1537FE91DCC2}"/>
+              </a:ext>
+            </a:extLst>
+          </p:cNvPr>
+          <p:cNvSpPr>
+            <a:spLocks noGrp="1"/>
+          </p:cNvSpPr>
+          <p:nvPr>
+            <p:ph type="title"/>
+          </p:nvPr>
+        </p:nvSpPr>
+        <p:spPr/>
+        <p:txBody>
+          <a:bodyPr/>
+          <a:lstStyle/>
+          <a:p>
+            <a:r>
+              <a:rPr lang="en-US" dirty="0">
+                <a:solidFill>
+                  <a:schemeClr val="bg1"/>
+                </a:solidFill>
+                <a:cs typeface="Calibri Light"/>
+              </a:rPr>
+              <a:t>Challenges </a:t>
+            </a:r>
+          </a:p>
+        </p:txBody>
+      </p:sp>
+      <p:sp>
+        <p:nvSpPr>
+          <p:cNvPr id="3" name="Content Placeholder 2">
+            <a:extLst>
+              <a:ext uri="{FF2B5EF4-FFF2-40B4-BE49-F238E27FC236}">
+                <a16:creationId xmlns:a16="http://schemas.microsoft.com/office/drawing/2014/main" id="{D67BFECC-087F-4047-A42A-9D132426E033}"/>
+              </a:ext>
+            </a:extLst>
+          </p:cNvPr>
+          <p:cNvSpPr>
+            <a:spLocks noGrp="1"/>
+          </p:cNvSpPr>
+          <p:nvPr>
+            <p:ph idx="1"/>
+          </p:nvPr>
+        </p:nvSpPr>
+        <p:spPr/>
+        <p:txBody>
+          <a:bodyPr/>
+          <a:lstStyle/>
+          <a:p>
+            <a:r>
+              <a:rPr lang="en-US" dirty="0"/>
+              <a:t>Big Team  - to organization the tasks</a:t>
+            </a:r>
+          </a:p>
+          <a:p>
+            <a:r>
+              <a:rPr lang="en-US" dirty="0"/>
+              <a:t>The Search Algorithm</a:t>
+            </a:r>
+          </a:p>
+          <a:p>
+            <a:r>
+              <a:rPr lang="en-US" dirty="0"/>
+              <a:t>Understanding of </a:t>
+            </a:r>
+            <a:r>
+              <a:rPr lang="en-US" dirty="0" err="1"/>
+              <a:t>Algolia</a:t>
+            </a:r>
+            <a:r>
+              <a:rPr lang="en-US" dirty="0"/>
+              <a:t> (NoSQL)</a:t>
+            </a:r>
+          </a:p>
+          <a:p>
+            <a:r>
+              <a:rPr lang="en-US" dirty="0"/>
+              <a:t>Extracting the needed Information from Google Cloud Vision </a:t>
+            </a:r>
+          </a:p>
+          <a:p>
+            <a:endParaRPr lang="en-US" dirty="0"/>
+          </a:p>
+          <a:p>
+            <a:endParaRPr lang="en-US" dirty="0"/>
+          </a:p>
+        </p:txBody>
+      </p:sp>
+      <p:sp>
+        <p:nvSpPr>
+          <p:cNvPr id="5" name="Rechteck 4">
+            <a:extLst>
+              <a:ext uri="{FF2B5EF4-FFF2-40B4-BE49-F238E27FC236}">
+                <a16:creationId xmlns:a16="http://schemas.microsoft.com/office/drawing/2014/main" id="{CE348F6F-648B-414B-B89F-44EA70B26CEC}"/>
+              </a:ext>
+            </a:extLst>
+          </p:cNvPr>
+          <p:cNvSpPr/>
+          <p:nvPr/>
+        </p:nvSpPr>
+        <p:spPr>
+          <a:xfrm>
+            <a:off x="10640290" y="365125"/>
+            <a:ext cx="1449749" cy="1162994"/>
+          </a:xfrm>
+          <a:prstGeom prst="rect">
+            <a:avLst/>
+          </a:prstGeom>
+          <a:blipFill dpi="0" rotWithShape="1">
+            <a:blip r:embed="rId2" cstate="print">
+              <a:extLst>
+                <a:ext uri="{28A0092B-C50C-407E-A947-70E740481C1C}">
+                  <a14:useLocalDpi xmlns:a14="http://schemas.microsoft.com/office/drawing/2010/main" val="0"/>
+                </a:ext>
+              </a:extLst>
+            </a:blip>
+            <a:srcRect/>
+            <a:stretch>
+              <a:fillRect t="-3000" b="-3000"/>
+            </a:stretch>
+          </a:blipFill>
+          <a:ln>
+            <a:noFill/>
+          </a:ln>
+        </p:spPr>
+        <p:style>
+          <a:lnRef idx="2">
+            <a:scrgbClr r="0" g="0" b="0"/>
+          </a:lnRef>
+          <a:fillRef idx="1">
+            <a:scrgbClr r="0" g="0" b="0"/>
+          </a:fillRef>
+          <a:effectRef idx="0">
+            <a:schemeClr val="accent1">
+              <a:tint val="50000"/>
+              <a:hueOff val="0"/>
+              <a:satOff val="0"/>
+              <a:lumOff val="0"/>
+              <a:alphaOff val="0"/>
+            </a:schemeClr>
+          </a:effectRef>
+          <a:fontRef idx="minor">
+            <a:schemeClr val="lt1">
+              <a:hueOff val="0"/>
+              <a:satOff val="0"/>
+              <a:lumOff val="0"/>
+              <a:alphaOff val="0"/>
+            </a:schemeClr>
+          </a:fontRef>
+        </p:style>
+      </p:sp>
+    </p:spTree>
+    <p:extLst>
+      <p:ext uri="{BB962C8B-B14F-4D97-AF65-F5344CB8AC3E}">
+        <p14:creationId xmlns:p14="http://schemas.microsoft.com/office/powerpoint/2010/main" val="2632231233"/>
+      </p:ext>
+    </p:extLst>
+  </p:cSld>
+  <p:clrMapOvr>
+    <a:masterClrMapping/>
+  </p:clrMapOvr>
+</p:sld>
+</file>
+
+<file path=ppt/slides/slide8.xml><?xml version="1.0" encoding="utf-8"?>
+<p:sld xmlns:a="http://schemas.openxmlformats.org/drawingml/2006/main" xmlns:r="http://schemas.openxmlformats.org/officeDocument/2006/relationships" xmlns:p="http://schemas.openxmlformats.org/presentationml/2006/main">
+  <p:cSld>
+    <p:spTree>
+      <p:nvGrpSpPr>
+        <p:cNvPr id="1" name=""/>
+        <p:cNvGrpSpPr/>
+        <p:nvPr/>
+      </p:nvGrpSpPr>
+      <p:grpSpPr>
+        <a:xfrm>
+          <a:off x="0" y="0"/>
+          <a:ext cx="0" cy="0"/>
+          <a:chOff x="0" y="0"/>
+          <a:chExt cx="0" cy="0"/>
+        </a:xfrm>
+      </p:grpSpPr>
+      <p:sp>
+        <p:nvSpPr>
+          <p:cNvPr id="6" name="Rectangle 3">
+            <a:extLst>
+              <a:ext uri="{FF2B5EF4-FFF2-40B4-BE49-F238E27FC236}">
+                <a16:creationId xmlns:a16="http://schemas.microsoft.com/office/drawing/2014/main" id="{84FB8335-F009-4FA7-9329-80D142C03716}"/>
+              </a:ext>
+            </a:extLst>
+          </p:cNvPr>
+          <p:cNvSpPr/>
+          <p:nvPr/>
+        </p:nvSpPr>
+        <p:spPr>
+          <a:xfrm>
+            <a:off x="-314035" y="366583"/>
+            <a:ext cx="13078690" cy="1161536"/>
+          </a:xfrm>
+          <a:prstGeom prst="rect">
+            <a:avLst/>
+          </a:prstGeom>
+          <a:solidFill>
+            <a:srgbClr val="EC6058"/>
+          </a:solidFill>
+          <a:ln>
+            <a:noFill/>
+          </a:ln>
+        </p:spPr>
+        <p:style>
+          <a:lnRef idx="2">
+            <a:schemeClr val="accent1">
+              <a:shade val="50000"/>
+            </a:schemeClr>
+          </a:lnRef>
+          <a:fillRef idx="1">
+            <a:schemeClr val="accent1"/>
+          </a:fillRef>
+          <a:effectRef idx="0">
+            <a:schemeClr val="accent1"/>
+          </a:effectRef>
+          <a:fontRef idx="minor">
+            <a:schemeClr val="lt1"/>
+          </a:fontRef>
+        </p:style>
+        <p:txBody>
+          <a:bodyPr rtlCol="0" anchor="ctr"/>
+          <a:lstStyle/>
+          <a:p>
+            <a:pPr algn="ctr"/>
+            <a:endParaRPr lang="en-US"/>
+          </a:p>
+        </p:txBody>
+      </p:sp>
+      <p:sp>
+        <p:nvSpPr>
+          <p:cNvPr id="2" name="Title 1">
+            <a:extLst>
+              <a:ext uri="{FF2B5EF4-FFF2-40B4-BE49-F238E27FC236}">
+                <a16:creationId xmlns:a16="http://schemas.microsoft.com/office/drawing/2014/main" id="{E238EBBA-F639-4D9D-A0E4-1537FE91DCC2}"/>
+              </a:ext>
+            </a:extLst>
+          </p:cNvPr>
+          <p:cNvSpPr>
+            <a:spLocks noGrp="1"/>
+          </p:cNvSpPr>
+          <p:nvPr>
+            <p:ph type="title"/>
+          </p:nvPr>
+        </p:nvSpPr>
+        <p:spPr/>
+        <p:txBody>
+          <a:bodyPr/>
+          <a:lstStyle/>
+          <a:p>
+            <a:r>
+              <a:rPr lang="en-US" dirty="0">
+                <a:solidFill>
+                  <a:schemeClr val="bg1"/>
+                </a:solidFill>
+                <a:cs typeface="Calibri Light"/>
+              </a:rPr>
+              <a:t>Further Developments</a:t>
+            </a:r>
+          </a:p>
+        </p:txBody>
+      </p:sp>
+      <p:sp>
+        <p:nvSpPr>
+          <p:cNvPr id="3" name="Content Placeholder 2">
+            <a:extLst>
+              <a:ext uri="{FF2B5EF4-FFF2-40B4-BE49-F238E27FC236}">
+                <a16:creationId xmlns:a16="http://schemas.microsoft.com/office/drawing/2014/main" id="{D67BFECC-087F-4047-A42A-9D132426E033}"/>
+              </a:ext>
+            </a:extLst>
+          </p:cNvPr>
+          <p:cNvSpPr>
+            <a:spLocks noGrp="1"/>
+          </p:cNvSpPr>
+          <p:nvPr>
+            <p:ph idx="1"/>
+          </p:nvPr>
+        </p:nvSpPr>
+        <p:spPr/>
+        <p:txBody>
+          <a:bodyPr/>
+          <a:lstStyle/>
+          <a:p>
+            <a:endParaRPr lang="en-US" dirty="0"/>
+          </a:p>
+          <a:p>
+            <a:endParaRPr lang="en-US" dirty="0"/>
+          </a:p>
+        </p:txBody>
+      </p:sp>
+      <p:pic>
+        <p:nvPicPr>
+          <p:cNvPr id="7" name="Grafik 6" descr="Ein Bild, das draußen enthält.&#10;&#10;Mit hoher Zuverlässigkeit generierte Beschreibung">
+            <a:extLst>
+              <a:ext uri="{FF2B5EF4-FFF2-40B4-BE49-F238E27FC236}">
+                <a16:creationId xmlns:a16="http://schemas.microsoft.com/office/drawing/2014/main" id="{C2A158AD-15BD-4D56-821B-893EFC7AFC0B}"/>
+              </a:ext>
+            </a:extLst>
+          </p:cNvPr>
+          <p:cNvPicPr>
+            <a:picLocks noChangeAspect="1"/>
+          </p:cNvPicPr>
+          <p:nvPr/>
+        </p:nvPicPr>
+        <p:blipFill>
+          <a:blip r:embed="rId2" cstate="print">
+            <a:extLst>
+              <a:ext uri="{28A0092B-C50C-407E-A947-70E740481C1C}">
+                <a14:useLocalDpi xmlns:a14="http://schemas.microsoft.com/office/drawing/2010/main" val="0"/>
+              </a:ext>
+            </a:extLst>
+          </a:blip>
+          <a:stretch>
+            <a:fillRect/>
+          </a:stretch>
+        </p:blipFill>
+        <p:spPr>
+          <a:xfrm>
+            <a:off x="10747743" y="436987"/>
+            <a:ext cx="1020727" cy="1020727"/>
+          </a:xfrm>
+          <a:prstGeom prst="rect">
+            <a:avLst/>
+          </a:prstGeom>
+        </p:spPr>
+      </p:pic>
+      <p:sp>
+        <p:nvSpPr>
+          <p:cNvPr id="9" name="Content Placeholder 2">
+            <a:extLst>
+              <a:ext uri="{FF2B5EF4-FFF2-40B4-BE49-F238E27FC236}">
+                <a16:creationId xmlns:a16="http://schemas.microsoft.com/office/drawing/2014/main" id="{C0A73A69-4B4A-47EC-AB80-B34F0AA1D288}"/>
+              </a:ext>
+            </a:extLst>
+          </p:cNvPr>
+          <p:cNvSpPr txBox="1">
+            <a:spLocks/>
+          </p:cNvSpPr>
+          <p:nvPr/>
+        </p:nvSpPr>
+        <p:spPr>
+          <a:xfrm>
+            <a:off x="838200" y="1761461"/>
+            <a:ext cx="10515600" cy="4351338"/>
+          </a:xfrm>
+          <a:prstGeom prst="rect">
+            <a:avLst/>
+          </a:prstGeom>
+        </p:spPr>
+        <p:txBody>
+          <a:bodyPr vert="horz" lIns="91440" tIns="45720" rIns="91440" bIns="45720" rtlCol="0">
+            <a:normAutofit/>
+          </a:bodyPr>
+          <a:lstStyle>
+            <a:lvl1pPr marL="228600" indent="-228600" algn="l" defTabSz="914400" rtl="0" eaLnBrk="1" latinLnBrk="0" hangingPunct="1">
+              <a:lnSpc>
+                <a:spcPct val="90000"/>
+              </a:lnSpc>
+              <a:spcBef>
+                <a:spcPts val="1000"/>
+              </a:spcBef>
+              <a:buFont typeface="Arial" panose="020B0604020202020204" pitchFamily="34" charset="0"/>
+              <a:buChar char="•"/>
+              <a:defRPr sz="2800" kern="1200">
+                <a:solidFill>
+                  <a:schemeClr val="tx1"/>
+                </a:solidFill>
+                <a:latin typeface="+mn-lt"/>
+                <a:ea typeface="+mn-ea"/>
+                <a:cs typeface="+mn-cs"/>
+              </a:defRPr>
+            </a:lvl1pPr>
+            <a:lvl2pPr marL="685800" indent="-228600" algn="l" defTabSz="914400" rtl="0" eaLnBrk="1" latinLnBrk="0" hangingPunct="1">
+              <a:lnSpc>
+                <a:spcPct val="90000"/>
+              </a:lnSpc>
+              <a:spcBef>
+                <a:spcPts val="500"/>
+              </a:spcBef>
+              <a:buFont typeface="Arial" panose="020B0604020202020204" pitchFamily="34" charset="0"/>
+              <a:buChar char="•"/>
+              <a:defRPr sz="2400" kern="1200">
+                <a:solidFill>
+                  <a:schemeClr val="tx1"/>
+                </a:solidFill>
+                <a:latin typeface="+mn-lt"/>
+                <a:ea typeface="+mn-ea"/>
+                <a:cs typeface="+mn-cs"/>
+              </a:defRPr>
+            </a:lvl2pPr>
+            <a:lvl3pPr marL="1143000" indent="-228600" algn="l" defTabSz="914400" rtl="0" eaLnBrk="1" latinLnBrk="0" hangingPunct="1">
+              <a:lnSpc>
+                <a:spcPct val="90000"/>
+              </a:lnSpc>
+              <a:spcBef>
+                <a:spcPts val="500"/>
+              </a:spcBef>
+              <a:buFont typeface="Arial" panose="020B0604020202020204" pitchFamily="34" charset="0"/>
+              <a:buChar char="•"/>
+              <a:defRPr sz="2000" kern="1200">
+                <a:solidFill>
+                  <a:schemeClr val="tx1"/>
+                </a:solidFill>
+                <a:latin typeface="+mn-lt"/>
+                <a:ea typeface="+mn-ea"/>
+                <a:cs typeface="+mn-cs"/>
+              </a:defRPr>
+            </a:lvl3pPr>
+            <a:lvl4pPr marL="1600200" indent="-228600" algn="l" defTabSz="914400" rtl="0" eaLnBrk="1" latinLnBrk="0" hangingPunct="1">
+              <a:lnSpc>
+                <a:spcPct val="90000"/>
+              </a:lnSpc>
+              <a:spcBef>
+                <a:spcPts val="500"/>
+              </a:spcBef>
+              <a:buFont typeface="Arial" panose="020B0604020202020204" pitchFamily="34" charset="0"/>
+              <a:buChar char="•"/>
+              <a:defRPr sz="1800" kern="1200">
+                <a:solidFill>
+                  <a:schemeClr val="tx1"/>
+                </a:solidFill>
+                <a:latin typeface="+mn-lt"/>
+                <a:ea typeface="+mn-ea"/>
+                <a:cs typeface="+mn-cs"/>
+              </a:defRPr>
+            </a:lvl4pPr>
+            <a:lvl5pPr marL="2057400" indent="-228600" algn="l" defTabSz="914400" rtl="0" eaLnBrk="1" latinLnBrk="0" hangingPunct="1">
+              <a:lnSpc>
+                <a:spcPct val="90000"/>
+              </a:lnSpc>
+              <a:spcBef>
+                <a:spcPts val="500"/>
+              </a:spcBef>
+              <a:buFont typeface="Arial" panose="020B0604020202020204" pitchFamily="34" charset="0"/>
+              <a:buChar char="•"/>
+              <a:defRPr sz="1800" kern="1200">
+                <a:solidFill>
+                  <a:schemeClr val="tx1"/>
+                </a:solidFill>
+                <a:latin typeface="+mn-lt"/>
+                <a:ea typeface="+mn-ea"/>
+                <a:cs typeface="+mn-cs"/>
+              </a:defRPr>
+            </a:lvl5pPr>
+            <a:lvl6pPr marL="2514600" indent="-228600" algn="l" defTabSz="914400" rtl="0" eaLnBrk="1" latinLnBrk="0" hangingPunct="1">
+              <a:lnSpc>
+                <a:spcPct val="90000"/>
+              </a:lnSpc>
+              <a:spcBef>
+                <a:spcPts val="500"/>
+              </a:spcBef>
+              <a:buFont typeface="Arial" panose="020B0604020202020204" pitchFamily="34" charset="0"/>
+              <a:buChar char="•"/>
+              <a:defRPr sz="1800" kern="1200">
+                <a:solidFill>
+                  <a:schemeClr val="tx1"/>
+                </a:solidFill>
+                <a:latin typeface="+mn-lt"/>
+                <a:ea typeface="+mn-ea"/>
+                <a:cs typeface="+mn-cs"/>
+              </a:defRPr>
+            </a:lvl6pPr>
+            <a:lvl7pPr marL="2971800" indent="-228600" algn="l" defTabSz="914400" rtl="0" eaLnBrk="1" latinLnBrk="0" hangingPunct="1">
+              <a:lnSpc>
+                <a:spcPct val="90000"/>
+              </a:lnSpc>
+              <a:spcBef>
+                <a:spcPts val="500"/>
+              </a:spcBef>
+              <a:buFont typeface="Arial" panose="020B0604020202020204" pitchFamily="34" charset="0"/>
+              <a:buChar char="•"/>
+              <a:defRPr sz="1800" kern="1200">
+                <a:solidFill>
+                  <a:schemeClr val="tx1"/>
+                </a:solidFill>
+                <a:latin typeface="+mn-lt"/>
+                <a:ea typeface="+mn-ea"/>
+                <a:cs typeface="+mn-cs"/>
+              </a:defRPr>
+            </a:lvl7pPr>
+            <a:lvl8pPr marL="3429000" indent="-228600" algn="l" defTabSz="914400" rtl="0" eaLnBrk="1" latinLnBrk="0" hangingPunct="1">
+              <a:lnSpc>
+                <a:spcPct val="90000"/>
+              </a:lnSpc>
+              <a:spcBef>
+                <a:spcPts val="500"/>
+              </a:spcBef>
+              <a:buFont typeface="Arial" panose="020B0604020202020204" pitchFamily="34" charset="0"/>
+              <a:buChar char="•"/>
+              <a:defRPr sz="1800" kern="1200">
+                <a:solidFill>
+                  <a:schemeClr val="tx1"/>
+                </a:solidFill>
+                <a:latin typeface="+mn-lt"/>
+                <a:ea typeface="+mn-ea"/>
+                <a:cs typeface="+mn-cs"/>
+              </a:defRPr>
+            </a:lvl8pPr>
+            <a:lvl9pPr marL="3886200" indent="-228600" algn="l" defTabSz="914400" rtl="0" eaLnBrk="1" latinLnBrk="0" hangingPunct="1">
+              <a:lnSpc>
+                <a:spcPct val="90000"/>
+              </a:lnSpc>
+              <a:spcBef>
+                <a:spcPts val="500"/>
+              </a:spcBef>
+              <a:buFont typeface="Arial" panose="020B0604020202020204" pitchFamily="34" charset="0"/>
+              <a:buChar char="•"/>
+              <a:defRPr sz="1800" kern="1200">
+                <a:solidFill>
+                  <a:schemeClr val="tx1"/>
+                </a:solidFill>
+                <a:latin typeface="+mn-lt"/>
+                <a:ea typeface="+mn-ea"/>
+                <a:cs typeface="+mn-cs"/>
+              </a:defRPr>
+            </a:lvl9pPr>
+          </a:lstStyle>
+          <a:p>
+            <a:r>
+              <a:rPr lang="en-US" dirty="0"/>
+              <a:t>Connection to a Food E-Shop</a:t>
+            </a:r>
+          </a:p>
+          <a:p>
+            <a:r>
+              <a:rPr lang="en-US" dirty="0"/>
+              <a:t>Consume recommendation (Food Waste)</a:t>
+            </a:r>
+          </a:p>
+          <a:p>
+            <a:r>
+              <a:rPr lang="en-US" dirty="0"/>
+              <a:t> Scanning Recipes</a:t>
+            </a:r>
+          </a:p>
+          <a:p>
+            <a:r>
+              <a:rPr lang="en-US" dirty="0"/>
+              <a:t>Connection to a Smart-Fridge</a:t>
+            </a:r>
+          </a:p>
+          <a:p>
+            <a:r>
+              <a:rPr lang="en-US" dirty="0"/>
+              <a:t>Connection to Alexa, Bixby, etc.</a:t>
+            </a:r>
+          </a:p>
+          <a:p>
+            <a:r>
+              <a:rPr lang="en-US" dirty="0"/>
+              <a:t>App for the Phone</a:t>
+            </a:r>
+          </a:p>
+          <a:p>
+            <a:r>
+              <a:rPr lang="en-US" dirty="0" err="1"/>
+              <a:t>Budgetplan</a:t>
+            </a:r>
+            <a:r>
+              <a:rPr lang="en-US" dirty="0"/>
+              <a:t> for Commune</a:t>
+            </a:r>
+          </a:p>
+          <a:p>
+            <a:endParaRPr lang="en-US" dirty="0"/>
+          </a:p>
+          <a:p>
+            <a:endParaRPr lang="en-US" dirty="0"/>
+          </a:p>
+          <a:p>
+            <a:endParaRPr lang="en-US" dirty="0"/>
+          </a:p>
+        </p:txBody>
+      </p:sp>
+    </p:spTree>
+    <p:extLst>
+      <p:ext uri="{BB962C8B-B14F-4D97-AF65-F5344CB8AC3E}">
+        <p14:creationId xmlns:p14="http://schemas.microsoft.com/office/powerpoint/2010/main" val="109307112"/>
+      </p:ext>
+    </p:extLst>
+  </p:cSld>
+  <p:clrMapOvr>
+    <a:masterClrMapping/>
+  </p:clrMapOvr>
+</p:sld>
+</file>
+
+<file path=ppt/slides/slide9.xml><?xml version="1.0" encoding="utf-8"?>
 <p:sld xmlns:a="http://schemas.openxmlformats.org/drawingml/2006/main" xmlns:r="http://schemas.openxmlformats.org/officeDocument/2006/relationships" xmlns:p="http://schemas.openxmlformats.org/presentationml/2006/main">
   <p:cSld>
     <p:spTree>
@@ -7798,6 +9024,42 @@
           </a:p>
         </p:txBody>
       </p:sp>
+      <p:pic>
+        <p:nvPicPr>
+          <p:cNvPr id="7" name="Grafik 6" descr="Ein Bild, das Elektronik enthält.&#10;&#10;Mit hoher Zuverlässigkeit generierte Beschreibung">
+            <a:extLst>
+              <a:ext uri="{FF2B5EF4-FFF2-40B4-BE49-F238E27FC236}">
+                <a16:creationId xmlns:a16="http://schemas.microsoft.com/office/drawing/2014/main" id="{FA9102CD-C465-4A33-ABA6-36B7AD45EEDE}"/>
+              </a:ext>
+            </a:extLst>
+          </p:cNvPr>
+          <p:cNvPicPr>
+            <a:picLocks noChangeAspect="1"/>
+          </p:cNvPicPr>
+          <p:nvPr/>
+        </p:nvPicPr>
+        <p:blipFill>
+          <a:blip r:embed="rId2">
+            <a:extLst>
+              <a:ext uri="{28A0092B-C50C-407E-A947-70E740481C1C}">
+                <a14:useLocalDpi xmlns:a14="http://schemas.microsoft.com/office/drawing/2010/main" val="0"/>
+              </a:ext>
+            </a:extLst>
+          </a:blip>
+          <a:stretch>
+            <a:fillRect/>
+          </a:stretch>
+        </p:blipFill>
+        <p:spPr>
+          <a:xfrm>
+            <a:off x="1475873" y="2722120"/>
+            <a:ext cx="2711116" cy="2711116"/>
+          </a:xfrm>
+          <a:prstGeom prst="rect">
+            <a:avLst/>
+          </a:prstGeom>
+        </p:spPr>
+      </p:pic>
     </p:spTree>
     <p:extLst>
       <p:ext uri="{BB962C8B-B14F-4D97-AF65-F5344CB8AC3E}">

--- a/documentation/Presentation Bon App.pptx
+++ b/documentation/Presentation Bon App.pptx
@@ -4,6 +4,9 @@
   <p:sldMasterIdLst>
     <p:sldMasterId id="2147483648" r:id="rId1"/>
   </p:sldMasterIdLst>
+  <p:notesMasterIdLst>
+    <p:notesMasterId r:id="rId10"/>
+  </p:notesMasterIdLst>
   <p:sldIdLst>
     <p:sldId id="256" r:id="rId2"/>
     <p:sldId id="262" r:id="rId3"/>
@@ -11,9 +14,8 @@
     <p:sldId id="260" r:id="rId5"/>
     <p:sldId id="259" r:id="rId6"/>
     <p:sldId id="258" r:id="rId7"/>
-    <p:sldId id="266" r:id="rId8"/>
-    <p:sldId id="267" r:id="rId9"/>
-    <p:sldId id="265" r:id="rId10"/>
+    <p:sldId id="267" r:id="rId8"/>
+    <p:sldId id="265" r:id="rId9"/>
   </p:sldIdLst>
   <p:sldSz cx="12192000" cy="6858000"/>
   <p:notesSz cx="6858000" cy="9144000"/>
@@ -1329,7 +1331,9 @@
     <dgm:cxn modelId="{ED070020-0F56-4B8A-A4C8-3A3A08450485}" type="presParOf" srcId="{FB4CF74B-F9B4-4D21-B850-FA9F94077616}" destId="{E91318AB-7E66-4260-AD6B-F4C5A3DB3F87}" srcOrd="0" destOrd="0" presId="urn:microsoft.com/office/officeart/2008/layout/PictureStrips"/>
     <dgm:cxn modelId="{A3C5EC80-823D-4E26-86F2-96D7418DD4CB}" type="presParOf" srcId="{FB4CF74B-F9B4-4D21-B850-FA9F94077616}" destId="{06EF0C83-4857-4910-ACC3-662D6A3283E5}" srcOrd="1" destOrd="0" presId="urn:microsoft.com/office/officeart/2008/layout/PictureStrips"/>
   </dgm:cxnLst>
-  <dgm:bg/>
+  <dgm:bg>
+    <a:noFill/>
+  </dgm:bg>
   <dgm:whole/>
   <dgm:extLst>
     <a:ext uri="http://schemas.microsoft.com/office/drawing/2008/diagram">
@@ -3140,6 +3144,356 @@
 </dgm:styleDef>
 </file>
 
+<file path=ppt/notesMasters/notesMaster1.xml><?xml version="1.0" encoding="utf-8"?>
+<p:notesMaster xmlns:a="http://schemas.openxmlformats.org/drawingml/2006/main" xmlns:r="http://schemas.openxmlformats.org/officeDocument/2006/relationships" xmlns:p="http://schemas.openxmlformats.org/presentationml/2006/main">
+  <p:cSld>
+    <p:bg>
+      <p:bgRef idx="1001">
+        <a:schemeClr val="bg1"/>
+      </p:bgRef>
+    </p:bg>
+    <p:spTree>
+      <p:nvGrpSpPr>
+        <p:cNvPr id="1" name=""/>
+        <p:cNvGrpSpPr/>
+        <p:nvPr/>
+      </p:nvGrpSpPr>
+      <p:grpSpPr>
+        <a:xfrm>
+          <a:off x="0" y="0"/>
+          <a:ext cx="0" cy="0"/>
+          <a:chOff x="0" y="0"/>
+          <a:chExt cx="0" cy="0"/>
+        </a:xfrm>
+      </p:grpSpPr>
+      <p:sp>
+        <p:nvSpPr>
+          <p:cNvPr id="2" name="Kopfzeilenplatzhalter 1"/>
+          <p:cNvSpPr>
+            <a:spLocks noGrp="1"/>
+          </p:cNvSpPr>
+          <p:nvPr>
+            <p:ph type="hdr" sz="quarter"/>
+          </p:nvPr>
+        </p:nvSpPr>
+        <p:spPr>
+          <a:xfrm>
+            <a:off x="0" y="0"/>
+            <a:ext cx="2971800" cy="458788"/>
+          </a:xfrm>
+          <a:prstGeom prst="rect">
+            <a:avLst/>
+          </a:prstGeom>
+        </p:spPr>
+        <p:txBody>
+          <a:bodyPr vert="horz" lIns="91440" tIns="45720" rIns="91440" bIns="45720" rtlCol="0"/>
+          <a:lstStyle>
+            <a:lvl1pPr algn="l">
+              <a:defRPr sz="1200"/>
+            </a:lvl1pPr>
+          </a:lstStyle>
+          <a:p>
+            <a:endParaRPr lang="de-CH"/>
+          </a:p>
+        </p:txBody>
+      </p:sp>
+      <p:sp>
+        <p:nvSpPr>
+          <p:cNvPr id="3" name="Datumsplatzhalter 2"/>
+          <p:cNvSpPr>
+            <a:spLocks noGrp="1"/>
+          </p:cNvSpPr>
+          <p:nvPr>
+            <p:ph type="dt" idx="1"/>
+          </p:nvPr>
+        </p:nvSpPr>
+        <p:spPr>
+          <a:xfrm>
+            <a:off x="3884613" y="0"/>
+            <a:ext cx="2971800" cy="458788"/>
+          </a:xfrm>
+          <a:prstGeom prst="rect">
+            <a:avLst/>
+          </a:prstGeom>
+        </p:spPr>
+        <p:txBody>
+          <a:bodyPr vert="horz" lIns="91440" tIns="45720" rIns="91440" bIns="45720" rtlCol="0"/>
+          <a:lstStyle>
+            <a:lvl1pPr algn="r">
+              <a:defRPr sz="1200"/>
+            </a:lvl1pPr>
+          </a:lstStyle>
+          <a:p>
+            <a:fld id="{0EBB19F9-2A28-42EB-88FF-021E1A9A4AC6}" type="datetimeFigureOut">
+              <a:rPr lang="de-CH" smtClean="0"/>
+              <a:t>25.11.2018</a:t>
+            </a:fld>
+            <a:endParaRPr lang="de-CH"/>
+          </a:p>
+        </p:txBody>
+      </p:sp>
+      <p:sp>
+        <p:nvSpPr>
+          <p:cNvPr id="4" name="Folienbildplatzhalter 3"/>
+          <p:cNvSpPr>
+            <a:spLocks noGrp="1" noRot="1" noChangeAspect="1"/>
+          </p:cNvSpPr>
+          <p:nvPr>
+            <p:ph type="sldImg" idx="2"/>
+          </p:nvPr>
+        </p:nvSpPr>
+        <p:spPr>
+          <a:xfrm>
+            <a:off x="685800" y="1143000"/>
+            <a:ext cx="5486400" cy="3086100"/>
+          </a:xfrm>
+          <a:prstGeom prst="rect">
+            <a:avLst/>
+          </a:prstGeom>
+          <a:noFill/>
+          <a:ln w="12700">
+            <a:solidFill>
+              <a:prstClr val="black"/>
+            </a:solidFill>
+          </a:ln>
+        </p:spPr>
+        <p:txBody>
+          <a:bodyPr vert="horz" lIns="91440" tIns="45720" rIns="91440" bIns="45720" rtlCol="0" anchor="ctr"/>
+          <a:lstStyle/>
+          <a:p>
+            <a:endParaRPr lang="de-CH"/>
+          </a:p>
+        </p:txBody>
+      </p:sp>
+      <p:sp>
+        <p:nvSpPr>
+          <p:cNvPr id="5" name="Notizenplatzhalter 4"/>
+          <p:cNvSpPr>
+            <a:spLocks noGrp="1"/>
+          </p:cNvSpPr>
+          <p:nvPr>
+            <p:ph type="body" sz="quarter" idx="3"/>
+          </p:nvPr>
+        </p:nvSpPr>
+        <p:spPr>
+          <a:xfrm>
+            <a:off x="685800" y="4400550"/>
+            <a:ext cx="5486400" cy="3600450"/>
+          </a:xfrm>
+          <a:prstGeom prst="rect">
+            <a:avLst/>
+          </a:prstGeom>
+        </p:spPr>
+        <p:txBody>
+          <a:bodyPr vert="horz" lIns="91440" tIns="45720" rIns="91440" bIns="45720" rtlCol="0"/>
+          <a:lstStyle/>
+          <a:p>
+            <a:pPr lvl="0"/>
+            <a:r>
+              <a:rPr lang="de-DE"/>
+              <a:t>Mastertextformat bearbeiten</a:t>
+            </a:r>
+          </a:p>
+          <a:p>
+            <a:pPr lvl="1"/>
+            <a:r>
+              <a:rPr lang="de-DE"/>
+              <a:t>Zweite Ebene</a:t>
+            </a:r>
+          </a:p>
+          <a:p>
+            <a:pPr lvl="2"/>
+            <a:r>
+              <a:rPr lang="de-DE"/>
+              <a:t>Dritte Ebene</a:t>
+            </a:r>
+          </a:p>
+          <a:p>
+            <a:pPr lvl="3"/>
+            <a:r>
+              <a:rPr lang="de-DE"/>
+              <a:t>Vierte Ebene</a:t>
+            </a:r>
+          </a:p>
+          <a:p>
+            <a:pPr lvl="4"/>
+            <a:r>
+              <a:rPr lang="de-DE"/>
+              <a:t>Fünfte Ebene</a:t>
+            </a:r>
+            <a:endParaRPr lang="de-CH"/>
+          </a:p>
+        </p:txBody>
+      </p:sp>
+      <p:sp>
+        <p:nvSpPr>
+          <p:cNvPr id="6" name="Fußzeilenplatzhalter 5"/>
+          <p:cNvSpPr>
+            <a:spLocks noGrp="1"/>
+          </p:cNvSpPr>
+          <p:nvPr>
+            <p:ph type="ftr" sz="quarter" idx="4"/>
+          </p:nvPr>
+        </p:nvSpPr>
+        <p:spPr>
+          <a:xfrm>
+            <a:off x="0" y="8685213"/>
+            <a:ext cx="2971800" cy="458787"/>
+          </a:xfrm>
+          <a:prstGeom prst="rect">
+            <a:avLst/>
+          </a:prstGeom>
+        </p:spPr>
+        <p:txBody>
+          <a:bodyPr vert="horz" lIns="91440" tIns="45720" rIns="91440" bIns="45720" rtlCol="0" anchor="b"/>
+          <a:lstStyle>
+            <a:lvl1pPr algn="l">
+              <a:defRPr sz="1200"/>
+            </a:lvl1pPr>
+          </a:lstStyle>
+          <a:p>
+            <a:endParaRPr lang="de-CH"/>
+          </a:p>
+        </p:txBody>
+      </p:sp>
+      <p:sp>
+        <p:nvSpPr>
+          <p:cNvPr id="7" name="Foliennummernplatzhalter 6"/>
+          <p:cNvSpPr>
+            <a:spLocks noGrp="1"/>
+          </p:cNvSpPr>
+          <p:nvPr>
+            <p:ph type="sldNum" sz="quarter" idx="5"/>
+          </p:nvPr>
+        </p:nvSpPr>
+        <p:spPr>
+          <a:xfrm>
+            <a:off x="3884613" y="8685213"/>
+            <a:ext cx="2971800" cy="458787"/>
+          </a:xfrm>
+          <a:prstGeom prst="rect">
+            <a:avLst/>
+          </a:prstGeom>
+        </p:spPr>
+        <p:txBody>
+          <a:bodyPr vert="horz" lIns="91440" tIns="45720" rIns="91440" bIns="45720" rtlCol="0" anchor="b"/>
+          <a:lstStyle>
+            <a:lvl1pPr algn="r">
+              <a:defRPr sz="1200"/>
+            </a:lvl1pPr>
+          </a:lstStyle>
+          <a:p>
+            <a:fld id="{58EE6428-C717-4FD7-82D2-EF3E9CFB6625}" type="slidenum">
+              <a:rPr lang="de-CH" smtClean="0"/>
+              <a:t>‹Nr.›</a:t>
+            </a:fld>
+            <a:endParaRPr lang="de-CH"/>
+          </a:p>
+        </p:txBody>
+      </p:sp>
+    </p:spTree>
+    <p:extLst>
+      <p:ext uri="{BB962C8B-B14F-4D97-AF65-F5344CB8AC3E}">
+        <p14:creationId xmlns:p14="http://schemas.microsoft.com/office/powerpoint/2010/main" val="1185422343"/>
+      </p:ext>
+    </p:extLst>
+  </p:cSld>
+  <p:clrMap bg1="lt1" tx1="dk1" bg2="lt2" tx2="dk2" accent1="accent1" accent2="accent2" accent3="accent3" accent4="accent4" accent5="accent5" accent6="accent6" hlink="hlink" folHlink="folHlink"/>
+  <p:notesStyle>
+    <a:lvl1pPr marL="0" algn="l" defTabSz="914400" rtl="0" eaLnBrk="1" latinLnBrk="0" hangingPunct="1">
+      <a:defRPr sz="1200" kern="1200">
+        <a:solidFill>
+          <a:schemeClr val="tx1"/>
+        </a:solidFill>
+        <a:latin typeface="+mn-lt"/>
+        <a:ea typeface="+mn-ea"/>
+        <a:cs typeface="+mn-cs"/>
+      </a:defRPr>
+    </a:lvl1pPr>
+    <a:lvl2pPr marL="457200" algn="l" defTabSz="914400" rtl="0" eaLnBrk="1" latinLnBrk="0" hangingPunct="1">
+      <a:defRPr sz="1200" kern="1200">
+        <a:solidFill>
+          <a:schemeClr val="tx1"/>
+        </a:solidFill>
+        <a:latin typeface="+mn-lt"/>
+        <a:ea typeface="+mn-ea"/>
+        <a:cs typeface="+mn-cs"/>
+      </a:defRPr>
+    </a:lvl2pPr>
+    <a:lvl3pPr marL="914400" algn="l" defTabSz="914400" rtl="0" eaLnBrk="1" latinLnBrk="0" hangingPunct="1">
+      <a:defRPr sz="1200" kern="1200">
+        <a:solidFill>
+          <a:schemeClr val="tx1"/>
+        </a:solidFill>
+        <a:latin typeface="+mn-lt"/>
+        <a:ea typeface="+mn-ea"/>
+        <a:cs typeface="+mn-cs"/>
+      </a:defRPr>
+    </a:lvl3pPr>
+    <a:lvl4pPr marL="1371600" algn="l" defTabSz="914400" rtl="0" eaLnBrk="1" latinLnBrk="0" hangingPunct="1">
+      <a:defRPr sz="1200" kern="1200">
+        <a:solidFill>
+          <a:schemeClr val="tx1"/>
+        </a:solidFill>
+        <a:latin typeface="+mn-lt"/>
+        <a:ea typeface="+mn-ea"/>
+        <a:cs typeface="+mn-cs"/>
+      </a:defRPr>
+    </a:lvl4pPr>
+    <a:lvl5pPr marL="1828800" algn="l" defTabSz="914400" rtl="0" eaLnBrk="1" latinLnBrk="0" hangingPunct="1">
+      <a:defRPr sz="1200" kern="1200">
+        <a:solidFill>
+          <a:schemeClr val="tx1"/>
+        </a:solidFill>
+        <a:latin typeface="+mn-lt"/>
+        <a:ea typeface="+mn-ea"/>
+        <a:cs typeface="+mn-cs"/>
+      </a:defRPr>
+    </a:lvl5pPr>
+    <a:lvl6pPr marL="2286000" algn="l" defTabSz="914400" rtl="0" eaLnBrk="1" latinLnBrk="0" hangingPunct="1">
+      <a:defRPr sz="1200" kern="1200">
+        <a:solidFill>
+          <a:schemeClr val="tx1"/>
+        </a:solidFill>
+        <a:latin typeface="+mn-lt"/>
+        <a:ea typeface="+mn-ea"/>
+        <a:cs typeface="+mn-cs"/>
+      </a:defRPr>
+    </a:lvl6pPr>
+    <a:lvl7pPr marL="2743200" algn="l" defTabSz="914400" rtl="0" eaLnBrk="1" latinLnBrk="0" hangingPunct="1">
+      <a:defRPr sz="1200" kern="1200">
+        <a:solidFill>
+          <a:schemeClr val="tx1"/>
+        </a:solidFill>
+        <a:latin typeface="+mn-lt"/>
+        <a:ea typeface="+mn-ea"/>
+        <a:cs typeface="+mn-cs"/>
+      </a:defRPr>
+    </a:lvl7pPr>
+    <a:lvl8pPr marL="3200400" algn="l" defTabSz="914400" rtl="0" eaLnBrk="1" latinLnBrk="0" hangingPunct="1">
+      <a:defRPr sz="1200" kern="1200">
+        <a:solidFill>
+          <a:schemeClr val="tx1"/>
+        </a:solidFill>
+        <a:latin typeface="+mn-lt"/>
+        <a:ea typeface="+mn-ea"/>
+        <a:cs typeface="+mn-cs"/>
+      </a:defRPr>
+    </a:lvl8pPr>
+    <a:lvl9pPr marL="3657600" algn="l" defTabSz="914400" rtl="0" eaLnBrk="1" latinLnBrk="0" hangingPunct="1">
+      <a:defRPr sz="1200" kern="1200">
+        <a:solidFill>
+          <a:schemeClr val="tx1"/>
+        </a:solidFill>
+        <a:latin typeface="+mn-lt"/>
+        <a:ea typeface="+mn-ea"/>
+        <a:cs typeface="+mn-cs"/>
+      </a:defRPr>
+    </a:lvl9pPr>
+  </p:notesStyle>
+</p:notesMaster>
+</file>
+
 <file path=ppt/slideLayouts/slideLayout1.xml><?xml version="1.0" encoding="utf-8"?>
 <p:sldLayout xmlns:a="http://schemas.openxmlformats.org/drawingml/2006/main" xmlns:r="http://schemas.openxmlformats.org/officeDocument/2006/relationships" xmlns:p="http://schemas.openxmlformats.org/presentationml/2006/main" type="title" preserve="1">
   <p:cSld name="Titelfolie">
@@ -3279,7 +3633,7 @@
           <a:bodyPr/>
           <a:lstStyle/>
           <a:p>
-            <a:fld id="{D3EB3054-B75A-4BD7-8B3E-8DC0F614FAF3}" type="datetimeFigureOut">
+            <a:fld id="{E0E0294C-CFF3-4523-9419-6B9BD1FA235A}" type="datetime1">
               <a:rPr lang="de-DE" smtClean="0"/>
               <a:t>25.11.2018</a:t>
             </a:fld>
@@ -3459,7 +3813,7 @@
           <a:bodyPr/>
           <a:lstStyle/>
           <a:p>
-            <a:fld id="{D3EB3054-B75A-4BD7-8B3E-8DC0F614FAF3}" type="datetimeFigureOut">
+            <a:fld id="{A88DE699-233D-4D22-9B40-DC53BAC658A2}" type="datetime1">
               <a:rPr lang="de-DE" smtClean="0"/>
               <a:t>25.11.2018</a:t>
             </a:fld>
@@ -3649,7 +4003,7 @@
           <a:bodyPr/>
           <a:lstStyle/>
           <a:p>
-            <a:fld id="{D3EB3054-B75A-4BD7-8B3E-8DC0F614FAF3}" type="datetimeFigureOut">
+            <a:fld id="{4682D550-EFD8-4D91-81FF-CB7F6FE960BB}" type="datetime1">
               <a:rPr lang="de-DE" smtClean="0"/>
               <a:t>25.11.2018</a:t>
             </a:fld>
@@ -3829,7 +4183,7 @@
           <a:bodyPr/>
           <a:lstStyle/>
           <a:p>
-            <a:fld id="{D3EB3054-B75A-4BD7-8B3E-8DC0F614FAF3}" type="datetimeFigureOut">
+            <a:fld id="{BE29FD75-F174-4B9E-AD45-8654EF517951}" type="datetime1">
               <a:rPr lang="de-DE" smtClean="0"/>
               <a:t>25.11.2018</a:t>
             </a:fld>
@@ -4086,7 +4440,7 @@
           <a:bodyPr/>
           <a:lstStyle/>
           <a:p>
-            <a:fld id="{D3EB3054-B75A-4BD7-8B3E-8DC0F614FAF3}" type="datetimeFigureOut">
+            <a:fld id="{4C2CA828-736C-4612-BB6C-9C958DEE1CA0}" type="datetime1">
               <a:rPr lang="de-DE" smtClean="0"/>
               <a:t>25.11.2018</a:t>
             </a:fld>
@@ -4327,7 +4681,7 @@
           <a:bodyPr/>
           <a:lstStyle/>
           <a:p>
-            <a:fld id="{D3EB3054-B75A-4BD7-8B3E-8DC0F614FAF3}" type="datetimeFigureOut">
+            <a:fld id="{3A429BD8-F2E4-4C1B-B34B-BDE61E922C33}" type="datetime1">
               <a:rPr lang="de-DE" smtClean="0"/>
               <a:t>25.11.2018</a:t>
             </a:fld>
@@ -4703,7 +5057,7 @@
           <a:bodyPr/>
           <a:lstStyle/>
           <a:p>
-            <a:fld id="{D3EB3054-B75A-4BD7-8B3E-8DC0F614FAF3}" type="datetimeFigureOut">
+            <a:fld id="{7A442116-544B-4FDD-9BF0-BC51CDC647A2}" type="datetime1">
               <a:rPr lang="de-DE" smtClean="0"/>
               <a:t>25.11.2018</a:t>
             </a:fld>
@@ -4832,7 +5186,7 @@
           <a:bodyPr/>
           <a:lstStyle/>
           <a:p>
-            <a:fld id="{D3EB3054-B75A-4BD7-8B3E-8DC0F614FAF3}" type="datetimeFigureOut">
+            <a:fld id="{D4870570-4511-4441-9021-36B6A6B55A66}" type="datetime1">
               <a:rPr lang="de-DE" smtClean="0"/>
               <a:t>25.11.2018</a:t>
             </a:fld>
@@ -4939,7 +5293,7 @@
           <a:bodyPr/>
           <a:lstStyle/>
           <a:p>
-            <a:fld id="{D3EB3054-B75A-4BD7-8B3E-8DC0F614FAF3}" type="datetimeFigureOut">
+            <a:fld id="{673DC3E0-E26A-44C8-85C0-8A3DC71BC052}" type="datetime1">
               <a:rPr lang="de-DE" smtClean="0"/>
               <a:t>25.11.2018</a:t>
             </a:fld>
@@ -5226,7 +5580,7 @@
           <a:bodyPr/>
           <a:lstStyle/>
           <a:p>
-            <a:fld id="{D3EB3054-B75A-4BD7-8B3E-8DC0F614FAF3}" type="datetimeFigureOut">
+            <a:fld id="{14CB8B1A-A98F-4EFF-893C-F98B0D615430}" type="datetime1">
               <a:rPr lang="de-DE" smtClean="0"/>
               <a:t>25.11.2018</a:t>
             </a:fld>
@@ -5490,7 +5844,7 @@
           <a:bodyPr/>
           <a:lstStyle/>
           <a:p>
-            <a:fld id="{D3EB3054-B75A-4BD7-8B3E-8DC0F614FAF3}" type="datetimeFigureOut">
+            <a:fld id="{24455B55-F2E5-464A-B729-105C7E97F035}" type="datetime1">
               <a:rPr lang="de-DE" smtClean="0"/>
               <a:t>25.11.2018</a:t>
             </a:fld>
@@ -5708,7 +6062,7 @@
             </a:lvl1pPr>
           </a:lstStyle>
           <a:p>
-            <a:fld id="{D3EB3054-B75A-4BD7-8B3E-8DC0F614FAF3}" type="datetimeFigureOut">
+            <a:fld id="{94858C7B-2A08-4BC2-BF50-A4F90C93E7BC}" type="datetime1">
               <a:rPr lang="de-DE" smtClean="0"/>
               <a:t>25.11.2018</a:t>
             </a:fld>
@@ -5815,6 +6169,7 @@
     <p:sldLayoutId id="2147483658" r:id="rId10"/>
     <p:sldLayoutId id="2147483659" r:id="rId11"/>
   </p:sldLayoutIdLst>
+  <p:hf hdr="0" ftr="0" dt="0"/>
   <p:txStyles>
     <p:titleStyle>
       <a:lvl1pPr algn="l" defTabSz="914400" rtl="0" eaLnBrk="1" latinLnBrk="0" hangingPunct="1">
@@ -6237,6 +6592,71 @@
           </a:p>
         </p:txBody>
       </p:sp>
+      <p:pic>
+        <p:nvPicPr>
+          <p:cNvPr id="5" name="Grafik 4">
+            <a:extLst>
+              <a:ext uri="{FF2B5EF4-FFF2-40B4-BE49-F238E27FC236}">
+                <a16:creationId xmlns:a16="http://schemas.microsoft.com/office/drawing/2014/main" id="{FD406FDE-6321-4619-882B-7B2596F70466}"/>
+              </a:ext>
+            </a:extLst>
+          </p:cNvPr>
+          <p:cNvPicPr>
+            <a:picLocks noChangeAspect="1"/>
+          </p:cNvPicPr>
+          <p:nvPr/>
+        </p:nvPicPr>
+        <p:blipFill>
+          <a:blip r:embed="rId3" cstate="print">
+            <a:extLst>
+              <a:ext uri="{28A0092B-C50C-407E-A947-70E740481C1C}">
+                <a14:useLocalDpi xmlns:a14="http://schemas.microsoft.com/office/drawing/2010/main" val="0"/>
+              </a:ext>
+            </a:extLst>
+          </a:blip>
+          <a:stretch>
+            <a:fillRect/>
+          </a:stretch>
+        </p:blipFill>
+        <p:spPr>
+          <a:xfrm>
+            <a:off x="520995" y="0"/>
+            <a:ext cx="2147777" cy="1189331"/>
+          </a:xfrm>
+          <a:prstGeom prst="rect">
+            <a:avLst/>
+          </a:prstGeom>
+        </p:spPr>
+      </p:pic>
+      <p:sp>
+        <p:nvSpPr>
+          <p:cNvPr id="6" name="Foliennummernplatzhalter 5">
+            <a:extLst>
+              <a:ext uri="{FF2B5EF4-FFF2-40B4-BE49-F238E27FC236}">
+                <a16:creationId xmlns:a16="http://schemas.microsoft.com/office/drawing/2014/main" id="{B0E4FB47-5DC3-4E41-800A-FF2707FC4CFD}"/>
+              </a:ext>
+            </a:extLst>
+          </p:cNvPr>
+          <p:cNvSpPr>
+            <a:spLocks noGrp="1"/>
+          </p:cNvSpPr>
+          <p:nvPr>
+            <p:ph type="sldNum" sz="quarter" idx="12"/>
+          </p:nvPr>
+        </p:nvSpPr>
+        <p:spPr/>
+        <p:txBody>
+          <a:bodyPr/>
+          <a:lstStyle/>
+          <a:p>
+            <a:fld id="{802006FE-6571-4354-8775-F8708372C227}" type="slidenum">
+              <a:rPr lang="de-DE" smtClean="0"/>
+              <a:t>1</a:t>
+            </a:fld>
+            <a:endParaRPr lang="de-DE"/>
+          </a:p>
+        </p:txBody>
+      </p:sp>
     </p:spTree>
     <p:extLst>
       <p:ext uri="{BB962C8B-B14F-4D97-AF65-F5344CB8AC3E}">
@@ -6380,6 +6800,71 @@
           </a:graphicData>
         </a:graphic>
       </p:graphicFrame>
+      <p:sp>
+        <p:nvSpPr>
+          <p:cNvPr id="3" name="Foliennummernplatzhalter 2">
+            <a:extLst>
+              <a:ext uri="{FF2B5EF4-FFF2-40B4-BE49-F238E27FC236}">
+                <a16:creationId xmlns:a16="http://schemas.microsoft.com/office/drawing/2014/main" id="{0C8D823D-0BAD-4F97-BAE9-F44AC7BDDAB7}"/>
+              </a:ext>
+            </a:extLst>
+          </p:cNvPr>
+          <p:cNvSpPr>
+            <a:spLocks noGrp="1"/>
+          </p:cNvSpPr>
+          <p:nvPr>
+            <p:ph type="sldNum" sz="quarter" idx="12"/>
+          </p:nvPr>
+        </p:nvSpPr>
+        <p:spPr/>
+        <p:txBody>
+          <a:bodyPr/>
+          <a:lstStyle/>
+          <a:p>
+            <a:fld id="{802006FE-6571-4354-8775-F8708372C227}" type="slidenum">
+              <a:rPr lang="de-DE" sz="3200" smtClean="0"/>
+              <a:t>2</a:t>
+            </a:fld>
+            <a:endParaRPr lang="de-DE" sz="3200" dirty="0"/>
+          </a:p>
+        </p:txBody>
+      </p:sp>
+      <p:pic>
+        <p:nvPicPr>
+          <p:cNvPr id="7" name="Grafik 6">
+            <a:extLst>
+              <a:ext uri="{FF2B5EF4-FFF2-40B4-BE49-F238E27FC236}">
+                <a16:creationId xmlns:a16="http://schemas.microsoft.com/office/drawing/2014/main" id="{79E67264-6826-4BDE-92D1-6DA02B3045F4}"/>
+              </a:ext>
+            </a:extLst>
+          </p:cNvPr>
+          <p:cNvPicPr>
+            <a:picLocks noChangeAspect="1"/>
+          </p:cNvPicPr>
+          <p:nvPr/>
+        </p:nvPicPr>
+        <p:blipFill>
+          <a:blip r:embed="rId7" cstate="print">
+            <a:extLst>
+              <a:ext uri="{28A0092B-C50C-407E-A947-70E740481C1C}">
+                <a14:useLocalDpi xmlns:a14="http://schemas.microsoft.com/office/drawing/2010/main" val="0"/>
+              </a:ext>
+            </a:extLst>
+          </a:blip>
+          <a:stretch>
+            <a:fillRect/>
+          </a:stretch>
+        </p:blipFill>
+        <p:spPr>
+          <a:xfrm>
+            <a:off x="10169235" y="6298672"/>
+            <a:ext cx="867682" cy="480479"/>
+          </a:xfrm>
+          <a:prstGeom prst="rect">
+            <a:avLst/>
+          </a:prstGeom>
+        </p:spPr>
+      </p:pic>
     </p:spTree>
     <p:extLst>
       <p:ext uri="{BB962C8B-B14F-4D97-AF65-F5344CB8AC3E}">
@@ -6656,6 +7141,71 @@
           </a:fontRef>
         </p:style>
       </p:sp>
+      <p:sp>
+        <p:nvSpPr>
+          <p:cNvPr id="4" name="Foliennummernplatzhalter 3">
+            <a:extLst>
+              <a:ext uri="{FF2B5EF4-FFF2-40B4-BE49-F238E27FC236}">
+                <a16:creationId xmlns:a16="http://schemas.microsoft.com/office/drawing/2014/main" id="{83F25746-EABB-4882-A941-BC0FF5031794}"/>
+              </a:ext>
+            </a:extLst>
+          </p:cNvPr>
+          <p:cNvSpPr>
+            <a:spLocks noGrp="1"/>
+          </p:cNvSpPr>
+          <p:nvPr>
+            <p:ph type="sldNum" sz="quarter" idx="12"/>
+          </p:nvPr>
+        </p:nvSpPr>
+        <p:spPr/>
+        <p:txBody>
+          <a:bodyPr/>
+          <a:lstStyle/>
+          <a:p>
+            <a:fld id="{802006FE-6571-4354-8775-F8708372C227}" type="slidenum">
+              <a:rPr lang="de-DE" sz="3200" smtClean="0"/>
+              <a:t>3</a:t>
+            </a:fld>
+            <a:endParaRPr lang="de-DE" sz="3200" dirty="0"/>
+          </a:p>
+        </p:txBody>
+      </p:sp>
+      <p:pic>
+        <p:nvPicPr>
+          <p:cNvPr id="9" name="Grafik 8">
+            <a:extLst>
+              <a:ext uri="{FF2B5EF4-FFF2-40B4-BE49-F238E27FC236}">
+                <a16:creationId xmlns:a16="http://schemas.microsoft.com/office/drawing/2014/main" id="{4CF8962E-3FD4-4C0D-9310-226D7A7683F3}"/>
+              </a:ext>
+            </a:extLst>
+          </p:cNvPr>
+          <p:cNvPicPr>
+            <a:picLocks noChangeAspect="1"/>
+          </p:cNvPicPr>
+          <p:nvPr/>
+        </p:nvPicPr>
+        <p:blipFill>
+          <a:blip r:embed="rId4" cstate="print">
+            <a:extLst>
+              <a:ext uri="{28A0092B-C50C-407E-A947-70E740481C1C}">
+                <a14:useLocalDpi xmlns:a14="http://schemas.microsoft.com/office/drawing/2010/main" val="0"/>
+              </a:ext>
+            </a:extLst>
+          </a:blip>
+          <a:stretch>
+            <a:fillRect/>
+          </a:stretch>
+        </p:blipFill>
+        <p:spPr>
+          <a:xfrm>
+            <a:off x="10169235" y="6298672"/>
+            <a:ext cx="867682" cy="480479"/>
+          </a:xfrm>
+          <a:prstGeom prst="rect">
+            <a:avLst/>
+          </a:prstGeom>
+        </p:spPr>
+      </p:pic>
     </p:spTree>
     <p:extLst>
       <p:ext uri="{BB962C8B-B14F-4D97-AF65-F5344CB8AC3E}">
@@ -6842,6 +7392,71 @@
           </a:fontRef>
         </p:style>
       </p:sp>
+      <p:sp>
+        <p:nvSpPr>
+          <p:cNvPr id="3" name="Foliennummernplatzhalter 2">
+            <a:extLst>
+              <a:ext uri="{FF2B5EF4-FFF2-40B4-BE49-F238E27FC236}">
+                <a16:creationId xmlns:a16="http://schemas.microsoft.com/office/drawing/2014/main" id="{DF1F1623-C349-44CC-BBFB-1289BF15583C}"/>
+              </a:ext>
+            </a:extLst>
+          </p:cNvPr>
+          <p:cNvSpPr>
+            <a:spLocks noGrp="1"/>
+          </p:cNvSpPr>
+          <p:nvPr>
+            <p:ph type="sldNum" sz="quarter" idx="12"/>
+          </p:nvPr>
+        </p:nvSpPr>
+        <p:spPr/>
+        <p:txBody>
+          <a:bodyPr/>
+          <a:lstStyle/>
+          <a:p>
+            <a:fld id="{802006FE-6571-4354-8775-F8708372C227}" type="slidenum">
+              <a:rPr lang="de-DE" sz="3200" smtClean="0"/>
+              <a:t>4</a:t>
+            </a:fld>
+            <a:endParaRPr lang="de-DE" sz="3200" dirty="0"/>
+          </a:p>
+        </p:txBody>
+      </p:sp>
+      <p:pic>
+        <p:nvPicPr>
+          <p:cNvPr id="8" name="Grafik 7">
+            <a:extLst>
+              <a:ext uri="{FF2B5EF4-FFF2-40B4-BE49-F238E27FC236}">
+                <a16:creationId xmlns:a16="http://schemas.microsoft.com/office/drawing/2014/main" id="{2A981435-6F1B-4F2F-B8A1-D97AD95105C0}"/>
+              </a:ext>
+            </a:extLst>
+          </p:cNvPr>
+          <p:cNvPicPr>
+            <a:picLocks noChangeAspect="1"/>
+          </p:cNvPicPr>
+          <p:nvPr/>
+        </p:nvPicPr>
+        <p:blipFill>
+          <a:blip r:embed="rId3" cstate="print">
+            <a:extLst>
+              <a:ext uri="{28A0092B-C50C-407E-A947-70E740481C1C}">
+                <a14:useLocalDpi xmlns:a14="http://schemas.microsoft.com/office/drawing/2010/main" val="0"/>
+              </a:ext>
+            </a:extLst>
+          </a:blip>
+          <a:stretch>
+            <a:fillRect/>
+          </a:stretch>
+        </p:blipFill>
+        <p:spPr>
+          <a:xfrm>
+            <a:off x="10169235" y="6298672"/>
+            <a:ext cx="867682" cy="480479"/>
+          </a:xfrm>
+          <a:prstGeom prst="rect">
+            <a:avLst/>
+          </a:prstGeom>
+        </p:spPr>
+      </p:pic>
     </p:spTree>
     <p:extLst>
       <p:ext uri="{BB962C8B-B14F-4D97-AF65-F5344CB8AC3E}">
@@ -7080,6 +7695,71 @@
           </a:fontRef>
         </p:style>
       </p:sp>
+      <p:sp>
+        <p:nvSpPr>
+          <p:cNvPr id="4" name="Foliennummernplatzhalter 3">
+            <a:extLst>
+              <a:ext uri="{FF2B5EF4-FFF2-40B4-BE49-F238E27FC236}">
+                <a16:creationId xmlns:a16="http://schemas.microsoft.com/office/drawing/2014/main" id="{C9BE3C61-2B4F-4A60-80F4-50929E99A5AE}"/>
+              </a:ext>
+            </a:extLst>
+          </p:cNvPr>
+          <p:cNvSpPr>
+            <a:spLocks noGrp="1"/>
+          </p:cNvSpPr>
+          <p:nvPr>
+            <p:ph type="sldNum" sz="quarter" idx="12"/>
+          </p:nvPr>
+        </p:nvSpPr>
+        <p:spPr/>
+        <p:txBody>
+          <a:bodyPr/>
+          <a:lstStyle/>
+          <a:p>
+            <a:fld id="{802006FE-6571-4354-8775-F8708372C227}" type="slidenum">
+              <a:rPr lang="de-DE" sz="3200" smtClean="0"/>
+              <a:t>5</a:t>
+            </a:fld>
+            <a:endParaRPr lang="de-DE" sz="3200" dirty="0"/>
+          </a:p>
+        </p:txBody>
+      </p:sp>
+      <p:pic>
+        <p:nvPicPr>
+          <p:cNvPr id="8" name="Grafik 7">
+            <a:extLst>
+              <a:ext uri="{FF2B5EF4-FFF2-40B4-BE49-F238E27FC236}">
+                <a16:creationId xmlns:a16="http://schemas.microsoft.com/office/drawing/2014/main" id="{993500DE-EEEF-4BAA-892E-8082D45E3F25}"/>
+              </a:ext>
+            </a:extLst>
+          </p:cNvPr>
+          <p:cNvPicPr>
+            <a:picLocks noChangeAspect="1"/>
+          </p:cNvPicPr>
+          <p:nvPr/>
+        </p:nvPicPr>
+        <p:blipFill>
+          <a:blip r:embed="rId3" cstate="print">
+            <a:extLst>
+              <a:ext uri="{28A0092B-C50C-407E-A947-70E740481C1C}">
+                <a14:useLocalDpi xmlns:a14="http://schemas.microsoft.com/office/drawing/2010/main" val="0"/>
+              </a:ext>
+            </a:extLst>
+          </a:blip>
+          <a:stretch>
+            <a:fillRect/>
+          </a:stretch>
+        </p:blipFill>
+        <p:spPr>
+          <a:xfrm>
+            <a:off x="10169235" y="6298672"/>
+            <a:ext cx="867682" cy="480479"/>
+          </a:xfrm>
+          <a:prstGeom prst="rect">
+            <a:avLst/>
+          </a:prstGeom>
+        </p:spPr>
+      </p:pic>
     </p:spTree>
     <p:extLst>
       <p:ext uri="{BB962C8B-B14F-4D97-AF65-F5344CB8AC3E}">
@@ -8236,6 +8916,71 @@
           </a:p>
         </p:txBody>
       </p:sp>
+      <p:sp>
+        <p:nvSpPr>
+          <p:cNvPr id="11" name="Foliennummernplatzhalter 10">
+            <a:extLst>
+              <a:ext uri="{FF2B5EF4-FFF2-40B4-BE49-F238E27FC236}">
+                <a16:creationId xmlns:a16="http://schemas.microsoft.com/office/drawing/2014/main" id="{F81B40AA-33E2-4FE7-9A8B-22F873F1D37C}"/>
+              </a:ext>
+            </a:extLst>
+          </p:cNvPr>
+          <p:cNvSpPr>
+            <a:spLocks noGrp="1"/>
+          </p:cNvSpPr>
+          <p:nvPr>
+            <p:ph type="sldNum" sz="quarter" idx="12"/>
+          </p:nvPr>
+        </p:nvSpPr>
+        <p:spPr/>
+        <p:txBody>
+          <a:bodyPr/>
+          <a:lstStyle/>
+          <a:p>
+            <a:fld id="{802006FE-6571-4354-8775-F8708372C227}" type="slidenum">
+              <a:rPr lang="de-DE" sz="3200" smtClean="0"/>
+              <a:t>6</a:t>
+            </a:fld>
+            <a:endParaRPr lang="de-DE" sz="3200" dirty="0"/>
+          </a:p>
+        </p:txBody>
+      </p:sp>
+      <p:pic>
+        <p:nvPicPr>
+          <p:cNvPr id="27" name="Grafik 26">
+            <a:extLst>
+              <a:ext uri="{FF2B5EF4-FFF2-40B4-BE49-F238E27FC236}">
+                <a16:creationId xmlns:a16="http://schemas.microsoft.com/office/drawing/2014/main" id="{E426A816-0182-4B9D-853B-0A041C16055B}"/>
+              </a:ext>
+            </a:extLst>
+          </p:cNvPr>
+          <p:cNvPicPr>
+            <a:picLocks noChangeAspect="1"/>
+          </p:cNvPicPr>
+          <p:nvPr/>
+        </p:nvPicPr>
+        <p:blipFill>
+          <a:blip r:embed="rId3" cstate="print">
+            <a:extLst>
+              <a:ext uri="{28A0092B-C50C-407E-A947-70E740481C1C}">
+                <a14:useLocalDpi xmlns:a14="http://schemas.microsoft.com/office/drawing/2010/main" val="0"/>
+              </a:ext>
+            </a:extLst>
+          </a:blip>
+          <a:stretch>
+            <a:fillRect/>
+          </a:stretch>
+        </p:blipFill>
+        <p:spPr>
+          <a:xfrm>
+            <a:off x="10169235" y="6298672"/>
+            <a:ext cx="867682" cy="480479"/>
+          </a:xfrm>
+          <a:prstGeom prst="rect">
+            <a:avLst/>
+          </a:prstGeom>
+        </p:spPr>
+      </p:pic>
     </p:spTree>
     <p:extLst>
       <p:ext uri="{BB962C8B-B14F-4D97-AF65-F5344CB8AC3E}">
@@ -8250,244 +8995,6 @@
 </file>
 
 <file path=ppt/slides/slide7.xml><?xml version="1.0" encoding="utf-8"?>
-<p:sld xmlns:a="http://schemas.openxmlformats.org/drawingml/2006/main" xmlns:r="http://schemas.openxmlformats.org/officeDocument/2006/relationships" xmlns:p="http://schemas.openxmlformats.org/presentationml/2006/main">
-  <p:cSld>
-    <p:spTree>
-      <p:nvGrpSpPr>
-        <p:cNvPr id="1" name=""/>
-        <p:cNvGrpSpPr/>
-        <p:nvPr/>
-      </p:nvGrpSpPr>
-      <p:grpSpPr>
-        <a:xfrm>
-          <a:off x="0" y="0"/>
-          <a:ext cx="0" cy="0"/>
-          <a:chOff x="0" y="0"/>
-          <a:chExt cx="0" cy="0"/>
-        </a:xfrm>
-      </p:grpSpPr>
-      <p:sp>
-        <p:nvSpPr>
-          <p:cNvPr id="6" name="Rectangle 3">
-            <a:extLst>
-              <a:ext uri="{FF2B5EF4-FFF2-40B4-BE49-F238E27FC236}">
-                <a16:creationId xmlns:a16="http://schemas.microsoft.com/office/drawing/2014/main" id="{84FB8335-F009-4FA7-9329-80D142C03716}"/>
-              </a:ext>
-            </a:extLst>
-          </p:cNvPr>
-          <p:cNvSpPr/>
-          <p:nvPr/>
-        </p:nvSpPr>
-        <p:spPr>
-          <a:xfrm>
-            <a:off x="-314035" y="366583"/>
-            <a:ext cx="13078690" cy="1161536"/>
-          </a:xfrm>
-          <a:prstGeom prst="rect">
-            <a:avLst/>
-          </a:prstGeom>
-          <a:solidFill>
-            <a:srgbClr val="EC6058"/>
-          </a:solidFill>
-          <a:ln>
-            <a:noFill/>
-          </a:ln>
-        </p:spPr>
-        <p:style>
-          <a:lnRef idx="2">
-            <a:schemeClr val="accent1">
-              <a:shade val="50000"/>
-            </a:schemeClr>
-          </a:lnRef>
-          <a:fillRef idx="1">
-            <a:schemeClr val="accent1"/>
-          </a:fillRef>
-          <a:effectRef idx="0">
-            <a:schemeClr val="accent1"/>
-          </a:effectRef>
-          <a:fontRef idx="minor">
-            <a:schemeClr val="lt1"/>
-          </a:fontRef>
-        </p:style>
-        <p:txBody>
-          <a:bodyPr rtlCol="0" anchor="ctr"/>
-          <a:lstStyle/>
-          <a:p>
-            <a:pPr algn="ctr"/>
-            <a:endParaRPr lang="en-US"/>
-          </a:p>
-        </p:txBody>
-      </p:sp>
-      <p:sp>
-        <p:nvSpPr>
-          <p:cNvPr id="2" name="Title 1">
-            <a:extLst>
-              <a:ext uri="{FF2B5EF4-FFF2-40B4-BE49-F238E27FC236}">
-                <a16:creationId xmlns:a16="http://schemas.microsoft.com/office/drawing/2014/main" id="{E238EBBA-F639-4D9D-A0E4-1537FE91DCC2}"/>
-              </a:ext>
-            </a:extLst>
-          </p:cNvPr>
-          <p:cNvSpPr>
-            <a:spLocks noGrp="1"/>
-          </p:cNvSpPr>
-          <p:nvPr>
-            <p:ph type="title"/>
-          </p:nvPr>
-        </p:nvSpPr>
-        <p:spPr/>
-        <p:txBody>
-          <a:bodyPr/>
-          <a:lstStyle/>
-          <a:p>
-            <a:r>
-              <a:rPr lang="en-US" dirty="0">
-                <a:solidFill>
-                  <a:schemeClr val="bg1"/>
-                </a:solidFill>
-                <a:cs typeface="Calibri Light"/>
-              </a:rPr>
-              <a:t>Challenges </a:t>
-            </a:r>
-          </a:p>
-        </p:txBody>
-      </p:sp>
-      <p:sp>
-        <p:nvSpPr>
-          <p:cNvPr id="3" name="Content Placeholder 2">
-            <a:extLst>
-              <a:ext uri="{FF2B5EF4-FFF2-40B4-BE49-F238E27FC236}">
-                <a16:creationId xmlns:a16="http://schemas.microsoft.com/office/drawing/2014/main" id="{D67BFECC-087F-4047-A42A-9D132426E033}"/>
-              </a:ext>
-            </a:extLst>
-          </p:cNvPr>
-          <p:cNvSpPr>
-            <a:spLocks noGrp="1"/>
-          </p:cNvSpPr>
-          <p:nvPr>
-            <p:ph idx="1"/>
-          </p:nvPr>
-        </p:nvSpPr>
-        <p:spPr/>
-        <p:txBody>
-          <a:bodyPr/>
-          <a:lstStyle/>
-          <a:p>
-            <a:r>
-              <a:rPr lang="en-US" dirty="0"/>
-              <a:t>Big Team  - to organization the tasks</a:t>
-            </a:r>
-          </a:p>
-          <a:p>
-            <a:r>
-              <a:rPr lang="en-US" dirty="0"/>
-              <a:t>The Search Algorithm</a:t>
-            </a:r>
-          </a:p>
-          <a:p>
-            <a:r>
-              <a:rPr lang="en-US" dirty="0"/>
-              <a:t>Understanding of </a:t>
-            </a:r>
-            <a:r>
-              <a:rPr lang="en-US" dirty="0" err="1"/>
-              <a:t>Algolia</a:t>
-            </a:r>
-            <a:r>
-              <a:rPr lang="en-US" dirty="0"/>
-              <a:t> (NoSQL)</a:t>
-            </a:r>
-          </a:p>
-          <a:p>
-            <a:r>
-              <a:rPr lang="en-US" dirty="0"/>
-              <a:t>Extracting the needed Information from Google Cloud Vision </a:t>
-            </a:r>
-          </a:p>
-          <a:p>
-            <a:endParaRPr lang="en-US" dirty="0"/>
-          </a:p>
-          <a:p>
-            <a:endParaRPr lang="en-US" dirty="0"/>
-          </a:p>
-        </p:txBody>
-      </p:sp>
-      <p:sp>
-        <p:nvSpPr>
-          <p:cNvPr id="5" name="Rechteck 4">
-            <a:extLst>
-              <a:ext uri="{FF2B5EF4-FFF2-40B4-BE49-F238E27FC236}">
-                <a16:creationId xmlns:a16="http://schemas.microsoft.com/office/drawing/2014/main" id="{CE348F6F-648B-414B-B89F-44EA70B26CEC}"/>
-              </a:ext>
-            </a:extLst>
-          </p:cNvPr>
-          <p:cNvSpPr/>
-          <p:nvPr/>
-        </p:nvSpPr>
-        <p:spPr>
-          <a:xfrm>
-            <a:off x="10640290" y="365125"/>
-            <a:ext cx="1449749" cy="1162994"/>
-          </a:xfrm>
-          <a:prstGeom prst="rect">
-            <a:avLst/>
-          </a:prstGeom>
-          <a:blipFill dpi="0" rotWithShape="1">
-            <a:blip r:embed="rId2" cstate="print">
-              <a:extLst>
-                <a:ext uri="{28A0092B-C50C-407E-A947-70E740481C1C}">
-                  <a14:useLocalDpi xmlns:a14="http://schemas.microsoft.com/office/drawing/2010/main" val="0"/>
-                </a:ext>
-              </a:extLst>
-            </a:blip>
-            <a:srcRect/>
-            <a:stretch>
-              <a:fillRect t="-3000" b="-3000"/>
-            </a:stretch>
-          </a:blipFill>
-          <a:ln>
-            <a:noFill/>
-          </a:ln>
-        </p:spPr>
-        <p:style>
-          <a:lnRef idx="2">
-            <a:scrgbClr r="0" g="0" b="0"/>
-          </a:lnRef>
-          <a:fillRef idx="1">
-            <a:scrgbClr r="0" g="0" b="0"/>
-          </a:fillRef>
-          <a:effectRef idx="0">
-            <a:schemeClr val="accent1">
-              <a:tint val="50000"/>
-              <a:hueOff val="0"/>
-              <a:satOff val="0"/>
-              <a:lumOff val="0"/>
-              <a:alphaOff val="0"/>
-            </a:schemeClr>
-          </a:effectRef>
-          <a:fontRef idx="minor">
-            <a:schemeClr val="lt1">
-              <a:hueOff val="0"/>
-              <a:satOff val="0"/>
-              <a:lumOff val="0"/>
-              <a:alphaOff val="0"/>
-            </a:schemeClr>
-          </a:fontRef>
-        </p:style>
-      </p:sp>
-    </p:spTree>
-    <p:extLst>
-      <p:ext uri="{BB962C8B-B14F-4D97-AF65-F5344CB8AC3E}">
-        <p14:creationId xmlns:p14="http://schemas.microsoft.com/office/powerpoint/2010/main" val="2632231233"/>
-      </p:ext>
-    </p:extLst>
-  </p:cSld>
-  <p:clrMapOvr>
-    <a:masterClrMapping/>
-  </p:clrMapOvr>
-</p:sld>
-</file>
-
-<file path=ppt/slides/slide8.xml><?xml version="1.0" encoding="utf-8"?>
 <p:sld xmlns:a="http://schemas.openxmlformats.org/drawingml/2006/main" xmlns:r="http://schemas.openxmlformats.org/officeDocument/2006/relationships" xmlns:p="http://schemas.openxmlformats.org/presentationml/2006/main">
   <p:cSld>
     <p:spTree>
@@ -8901,6 +9408,71 @@
           </a:p>
         </p:txBody>
       </p:sp>
+      <p:sp>
+        <p:nvSpPr>
+          <p:cNvPr id="4" name="Foliennummernplatzhalter 3">
+            <a:extLst>
+              <a:ext uri="{FF2B5EF4-FFF2-40B4-BE49-F238E27FC236}">
+                <a16:creationId xmlns:a16="http://schemas.microsoft.com/office/drawing/2014/main" id="{D2D9033F-1A6D-4F73-8893-D3F953104F0B}"/>
+              </a:ext>
+            </a:extLst>
+          </p:cNvPr>
+          <p:cNvSpPr>
+            <a:spLocks noGrp="1"/>
+          </p:cNvSpPr>
+          <p:nvPr>
+            <p:ph type="sldNum" sz="quarter" idx="12"/>
+          </p:nvPr>
+        </p:nvSpPr>
+        <p:spPr/>
+        <p:txBody>
+          <a:bodyPr/>
+          <a:lstStyle/>
+          <a:p>
+            <a:fld id="{802006FE-6571-4354-8775-F8708372C227}" type="slidenum">
+              <a:rPr lang="de-DE" sz="3200" smtClean="0"/>
+              <a:t>7</a:t>
+            </a:fld>
+            <a:endParaRPr lang="de-DE" sz="3200" dirty="0"/>
+          </a:p>
+        </p:txBody>
+      </p:sp>
+      <p:pic>
+        <p:nvPicPr>
+          <p:cNvPr id="8" name="Grafik 7">
+            <a:extLst>
+              <a:ext uri="{FF2B5EF4-FFF2-40B4-BE49-F238E27FC236}">
+                <a16:creationId xmlns:a16="http://schemas.microsoft.com/office/drawing/2014/main" id="{28076122-171F-4B52-A616-7CE948E86740}"/>
+              </a:ext>
+            </a:extLst>
+          </p:cNvPr>
+          <p:cNvPicPr>
+            <a:picLocks noChangeAspect="1"/>
+          </p:cNvPicPr>
+          <p:nvPr/>
+        </p:nvPicPr>
+        <p:blipFill>
+          <a:blip r:embed="rId3" cstate="print">
+            <a:extLst>
+              <a:ext uri="{28A0092B-C50C-407E-A947-70E740481C1C}">
+                <a14:useLocalDpi xmlns:a14="http://schemas.microsoft.com/office/drawing/2010/main" val="0"/>
+              </a:ext>
+            </a:extLst>
+          </a:blip>
+          <a:stretch>
+            <a:fillRect/>
+          </a:stretch>
+        </p:blipFill>
+        <p:spPr>
+          <a:xfrm>
+            <a:off x="10169235" y="6298672"/>
+            <a:ext cx="867682" cy="480479"/>
+          </a:xfrm>
+          <a:prstGeom prst="rect">
+            <a:avLst/>
+          </a:prstGeom>
+        </p:spPr>
+      </p:pic>
     </p:spTree>
     <p:extLst>
       <p:ext uri="{BB962C8B-B14F-4D97-AF65-F5344CB8AC3E}">
@@ -8914,7 +9486,7 @@
 </p:sld>
 </file>
 
-<file path=ppt/slides/slide9.xml><?xml version="1.0" encoding="utf-8"?>
+<file path=ppt/slides/slide8.xml><?xml version="1.0" encoding="utf-8"?>
 <p:sld xmlns:a="http://schemas.openxmlformats.org/drawingml/2006/main" xmlns:r="http://schemas.openxmlformats.org/officeDocument/2006/relationships" xmlns:p="http://schemas.openxmlformats.org/presentationml/2006/main">
   <p:cSld>
     <p:spTree>
@@ -9054,6 +9626,71 @@
           <a:xfrm>
             <a:off x="1475873" y="2722120"/>
             <a:ext cx="2711116" cy="2711116"/>
+          </a:xfrm>
+          <a:prstGeom prst="rect">
+            <a:avLst/>
+          </a:prstGeom>
+        </p:spPr>
+      </p:pic>
+      <p:sp>
+        <p:nvSpPr>
+          <p:cNvPr id="3" name="Foliennummernplatzhalter 2">
+            <a:extLst>
+              <a:ext uri="{FF2B5EF4-FFF2-40B4-BE49-F238E27FC236}">
+                <a16:creationId xmlns:a16="http://schemas.microsoft.com/office/drawing/2014/main" id="{A3B07F62-0F16-40F8-A783-99B9D9F2E392}"/>
+              </a:ext>
+            </a:extLst>
+          </p:cNvPr>
+          <p:cNvSpPr>
+            <a:spLocks noGrp="1"/>
+          </p:cNvSpPr>
+          <p:nvPr>
+            <p:ph type="sldNum" sz="quarter" idx="12"/>
+          </p:nvPr>
+        </p:nvSpPr>
+        <p:spPr/>
+        <p:txBody>
+          <a:bodyPr/>
+          <a:lstStyle/>
+          <a:p>
+            <a:fld id="{802006FE-6571-4354-8775-F8708372C227}" type="slidenum">
+              <a:rPr lang="de-DE" sz="3200" smtClean="0"/>
+              <a:t>8</a:t>
+            </a:fld>
+            <a:endParaRPr lang="de-DE" sz="3200" dirty="0"/>
+          </a:p>
+        </p:txBody>
+      </p:sp>
+      <p:pic>
+        <p:nvPicPr>
+          <p:cNvPr id="8" name="Grafik 7">
+            <a:extLst>
+              <a:ext uri="{FF2B5EF4-FFF2-40B4-BE49-F238E27FC236}">
+                <a16:creationId xmlns:a16="http://schemas.microsoft.com/office/drawing/2014/main" id="{A4C3952B-FCB9-4FCA-B30D-B5BA7E3D31A4}"/>
+              </a:ext>
+            </a:extLst>
+          </p:cNvPr>
+          <p:cNvPicPr>
+            <a:picLocks noChangeAspect="1"/>
+          </p:cNvPicPr>
+          <p:nvPr/>
+        </p:nvPicPr>
+        <p:blipFill>
+          <a:blip r:embed="rId3" cstate="print">
+            <a:extLst>
+              <a:ext uri="{28A0092B-C50C-407E-A947-70E740481C1C}">
+                <a14:useLocalDpi xmlns:a14="http://schemas.microsoft.com/office/drawing/2010/main" val="0"/>
+              </a:ext>
+            </a:extLst>
+          </a:blip>
+          <a:stretch>
+            <a:fillRect/>
+          </a:stretch>
+        </p:blipFill>
+        <p:spPr>
+          <a:xfrm>
+            <a:off x="10169235" y="6298672"/>
+            <a:ext cx="867682" cy="480479"/>
           </a:xfrm>
           <a:prstGeom prst="rect">
             <a:avLst/>
@@ -9332,4 +9969,299 @@
     </a:ext>
   </a:extLst>
 </a:theme>
+</file>
+
+<file path=ppt/theme/theme2.xml><?xml version="1.0" encoding="utf-8"?>
+<a:theme xmlns:a="http://schemas.openxmlformats.org/drawingml/2006/main" name="Office">
+  <a:themeElements>
+    <a:clrScheme name="Office">
+      <a:dk1>
+        <a:sysClr val="windowText" lastClr="000000"/>
+      </a:dk1>
+      <a:lt1>
+        <a:sysClr val="window" lastClr="FFFFFF"/>
+      </a:lt1>
+      <a:dk2>
+        <a:srgbClr val="44546A"/>
+      </a:dk2>
+      <a:lt2>
+        <a:srgbClr val="E7E6E6"/>
+      </a:lt2>
+      <a:accent1>
+        <a:srgbClr val="4472C4"/>
+      </a:accent1>
+      <a:accent2>
+        <a:srgbClr val="ED7D31"/>
+      </a:accent2>
+      <a:accent3>
+        <a:srgbClr val="A5A5A5"/>
+      </a:accent3>
+      <a:accent4>
+        <a:srgbClr val="FFC000"/>
+      </a:accent4>
+      <a:accent5>
+        <a:srgbClr val="5B9BD5"/>
+      </a:accent5>
+      <a:accent6>
+        <a:srgbClr val="70AD47"/>
+      </a:accent6>
+      <a:hlink>
+        <a:srgbClr val="0563C1"/>
+      </a:hlink>
+      <a:folHlink>
+        <a:srgbClr val="954F72"/>
+      </a:folHlink>
+    </a:clrScheme>
+    <a:fontScheme name="Office">
+      <a:majorFont>
+        <a:latin typeface="Calibri Light" panose="020F0302020204030204"/>
+        <a:ea typeface=""/>
+        <a:cs typeface=""/>
+        <a:font script="Jpan" typeface="游ゴシック Light"/>
+        <a:font script="Hang" typeface="맑은 고딕"/>
+        <a:font script="Hans" typeface="等线 Light"/>
+        <a:font script="Hant" typeface="新細明體"/>
+        <a:font script="Arab" typeface="Times New Roman"/>
+        <a:font script="Hebr" typeface="Times New Roman"/>
+        <a:font script="Thai" typeface="Angsana New"/>
+        <a:font script="Ethi" typeface="Nyala"/>
+        <a:font script="Beng" typeface="Vrinda"/>
+        <a:font script="Gujr" typeface="Shruti"/>
+        <a:font script="Khmr" typeface="MoolBoran"/>
+        <a:font script="Knda" typeface="Tunga"/>
+        <a:font script="Guru" typeface="Raavi"/>
+        <a:font script="Cans" typeface="Euphemia"/>
+        <a:font script="Cher" typeface="Plantagenet Cherokee"/>
+        <a:font script="Yiii" typeface="Microsoft Yi Baiti"/>
+        <a:font script="Tibt" typeface="Microsoft Himalaya"/>
+        <a:font script="Thaa" typeface="MV Boli"/>
+        <a:font script="Deva" typeface="Mangal"/>
+        <a:font script="Telu" typeface="Gautami"/>
+        <a:font script="Taml" typeface="Latha"/>
+        <a:font script="Syrc" typeface="Estrangelo Edessa"/>
+        <a:font script="Orya" typeface="Kalinga"/>
+        <a:font script="Mlym" typeface="Kartika"/>
+        <a:font script="Laoo" typeface="DokChampa"/>
+        <a:font script="Sinh" typeface="Iskoola Pota"/>
+        <a:font script="Mong" typeface="Mongolian Baiti"/>
+        <a:font script="Viet" typeface="Times New Roman"/>
+        <a:font script="Uigh" typeface="Microsoft Uighur"/>
+        <a:font script="Geor" typeface="Sylfaen"/>
+        <a:font script="Armn" typeface="Arial"/>
+        <a:font script="Bugi" typeface="Leelawadee UI"/>
+        <a:font script="Bopo" typeface="Microsoft JhengHei"/>
+        <a:font script="Java" typeface="Javanese Text"/>
+        <a:font script="Lisu" typeface="Segoe UI"/>
+        <a:font script="Mymr" typeface="Myanmar Text"/>
+        <a:font script="Nkoo" typeface="Ebrima"/>
+        <a:font script="Olck" typeface="Nirmala UI"/>
+        <a:font script="Osma" typeface="Ebrima"/>
+        <a:font script="Phag" typeface="Phagspa"/>
+        <a:font script="Syrn" typeface="Estrangelo Edessa"/>
+        <a:font script="Syrj" typeface="Estrangelo Edessa"/>
+        <a:font script="Syre" typeface="Estrangelo Edessa"/>
+        <a:font script="Sora" typeface="Nirmala UI"/>
+        <a:font script="Tale" typeface="Microsoft Tai Le"/>
+        <a:font script="Talu" typeface="Microsoft New Tai Lue"/>
+        <a:font script="Tfng" typeface="Ebrima"/>
+      </a:majorFont>
+      <a:minorFont>
+        <a:latin typeface="Calibri" panose="020F0502020204030204"/>
+        <a:ea typeface=""/>
+        <a:cs typeface=""/>
+        <a:font script="Jpan" typeface="游ゴシック"/>
+        <a:font script="Hang" typeface="맑은 고딕"/>
+        <a:font script="Hans" typeface="等线"/>
+        <a:font script="Hant" typeface="新細明體"/>
+        <a:font script="Arab" typeface="Arial"/>
+        <a:font script="Hebr" typeface="Arial"/>
+        <a:font script="Thai" typeface="Cordia New"/>
+        <a:font script="Ethi" typeface="Nyala"/>
+        <a:font script="Beng" typeface="Vrinda"/>
+        <a:font script="Gujr" typeface="Shruti"/>
+        <a:font script="Khmr" typeface="DaunPenh"/>
+        <a:font script="Knda" typeface="Tunga"/>
+        <a:font script="Guru" typeface="Raavi"/>
+        <a:font script="Cans" typeface="Euphemia"/>
+        <a:font script="Cher" typeface="Plantagenet Cherokee"/>
+        <a:font script="Yiii" typeface="Microsoft Yi Baiti"/>
+        <a:font script="Tibt" typeface="Microsoft Himalaya"/>
+        <a:font script="Thaa" typeface="MV Boli"/>
+        <a:font script="Deva" typeface="Mangal"/>
+        <a:font script="Telu" typeface="Gautami"/>
+        <a:font script="Taml" typeface="Latha"/>
+        <a:font script="Syrc" typeface="Estrangelo Edessa"/>
+        <a:font script="Orya" typeface="Kalinga"/>
+        <a:font script="Mlym" typeface="Kartika"/>
+        <a:font script="Laoo" typeface="DokChampa"/>
+        <a:font script="Sinh" typeface="Iskoola Pota"/>
+        <a:font script="Mong" typeface="Mongolian Baiti"/>
+        <a:font script="Viet" typeface="Arial"/>
+        <a:font script="Uigh" typeface="Microsoft Uighur"/>
+        <a:font script="Geor" typeface="Sylfaen"/>
+        <a:font script="Armn" typeface="Arial"/>
+        <a:font script="Bugi" typeface="Leelawadee UI"/>
+        <a:font script="Bopo" typeface="Microsoft JhengHei"/>
+        <a:font script="Java" typeface="Javanese Text"/>
+        <a:font script="Lisu" typeface="Segoe UI"/>
+        <a:font script="Mymr" typeface="Myanmar Text"/>
+        <a:font script="Nkoo" typeface="Ebrima"/>
+        <a:font script="Olck" typeface="Nirmala UI"/>
+        <a:font script="Osma" typeface="Ebrima"/>
+        <a:font script="Phag" typeface="Phagspa"/>
+        <a:font script="Syrn" typeface="Estrangelo Edessa"/>
+        <a:font script="Syrj" typeface="Estrangelo Edessa"/>
+        <a:font script="Syre" typeface="Estrangelo Edessa"/>
+        <a:font script="Sora" typeface="Nirmala UI"/>
+        <a:font script="Tale" typeface="Microsoft Tai Le"/>
+        <a:font script="Talu" typeface="Microsoft New Tai Lue"/>
+        <a:font script="Tfng" typeface="Ebrima"/>
+      </a:minorFont>
+    </a:fontScheme>
+    <a:fmtScheme name="Office">
+      <a:fillStyleLst>
+        <a:solidFill>
+          <a:schemeClr val="phClr"/>
+        </a:solidFill>
+        <a:gradFill rotWithShape="1">
+          <a:gsLst>
+            <a:gs pos="0">
+              <a:schemeClr val="phClr">
+                <a:lumMod val="110000"/>
+                <a:satMod val="105000"/>
+                <a:tint val="67000"/>
+              </a:schemeClr>
+            </a:gs>
+            <a:gs pos="50000">
+              <a:schemeClr val="phClr">
+                <a:lumMod val="105000"/>
+                <a:satMod val="103000"/>
+                <a:tint val="73000"/>
+              </a:schemeClr>
+            </a:gs>
+            <a:gs pos="100000">
+              <a:schemeClr val="phClr">
+                <a:lumMod val="105000"/>
+                <a:satMod val="109000"/>
+                <a:tint val="81000"/>
+              </a:schemeClr>
+            </a:gs>
+          </a:gsLst>
+          <a:lin ang="5400000" scaled="0"/>
+        </a:gradFill>
+        <a:gradFill rotWithShape="1">
+          <a:gsLst>
+            <a:gs pos="0">
+              <a:schemeClr val="phClr">
+                <a:satMod val="103000"/>
+                <a:lumMod val="102000"/>
+                <a:tint val="94000"/>
+              </a:schemeClr>
+            </a:gs>
+            <a:gs pos="50000">
+              <a:schemeClr val="phClr">
+                <a:satMod val="110000"/>
+                <a:lumMod val="100000"/>
+                <a:shade val="100000"/>
+              </a:schemeClr>
+            </a:gs>
+            <a:gs pos="100000">
+              <a:schemeClr val="phClr">
+                <a:lumMod val="99000"/>
+                <a:satMod val="120000"/>
+                <a:shade val="78000"/>
+              </a:schemeClr>
+            </a:gs>
+          </a:gsLst>
+          <a:lin ang="5400000" scaled="0"/>
+        </a:gradFill>
+      </a:fillStyleLst>
+      <a:lnStyleLst>
+        <a:ln w="6350" cap="flat" cmpd="sng" algn="ctr">
+          <a:solidFill>
+            <a:schemeClr val="phClr"/>
+          </a:solidFill>
+          <a:prstDash val="solid"/>
+          <a:miter lim="800000"/>
+        </a:ln>
+        <a:ln w="12700" cap="flat" cmpd="sng" algn="ctr">
+          <a:solidFill>
+            <a:schemeClr val="phClr"/>
+          </a:solidFill>
+          <a:prstDash val="solid"/>
+          <a:miter lim="800000"/>
+        </a:ln>
+        <a:ln w="19050" cap="flat" cmpd="sng" algn="ctr">
+          <a:solidFill>
+            <a:schemeClr val="phClr"/>
+          </a:solidFill>
+          <a:prstDash val="solid"/>
+          <a:miter lim="800000"/>
+        </a:ln>
+      </a:lnStyleLst>
+      <a:effectStyleLst>
+        <a:effectStyle>
+          <a:effectLst/>
+        </a:effectStyle>
+        <a:effectStyle>
+          <a:effectLst/>
+        </a:effectStyle>
+        <a:effectStyle>
+          <a:effectLst>
+            <a:outerShdw blurRad="57150" dist="19050" dir="5400000" algn="ctr" rotWithShape="0">
+              <a:srgbClr val="000000">
+                <a:alpha val="63000"/>
+              </a:srgbClr>
+            </a:outerShdw>
+          </a:effectLst>
+        </a:effectStyle>
+      </a:effectStyleLst>
+      <a:bgFillStyleLst>
+        <a:solidFill>
+          <a:schemeClr val="phClr"/>
+        </a:solidFill>
+        <a:solidFill>
+          <a:schemeClr val="phClr">
+            <a:tint val="95000"/>
+            <a:satMod val="170000"/>
+          </a:schemeClr>
+        </a:solidFill>
+        <a:gradFill rotWithShape="1">
+          <a:gsLst>
+            <a:gs pos="0">
+              <a:schemeClr val="phClr">
+                <a:tint val="93000"/>
+                <a:satMod val="150000"/>
+                <a:shade val="98000"/>
+                <a:lumMod val="102000"/>
+              </a:schemeClr>
+            </a:gs>
+            <a:gs pos="50000">
+              <a:schemeClr val="phClr">
+                <a:tint val="98000"/>
+                <a:satMod val="130000"/>
+                <a:shade val="90000"/>
+                <a:lumMod val="103000"/>
+              </a:schemeClr>
+            </a:gs>
+            <a:gs pos="100000">
+              <a:schemeClr val="phClr">
+                <a:shade val="63000"/>
+                <a:satMod val="120000"/>
+              </a:schemeClr>
+            </a:gs>
+          </a:gsLst>
+          <a:lin ang="5400000" scaled="0"/>
+        </a:gradFill>
+      </a:bgFillStyleLst>
+    </a:fmtScheme>
+  </a:themeElements>
+  <a:objectDefaults/>
+  <a:extraClrSchemeLst/>
+  <a:extLst>
+    <a:ext uri="{05A4C25C-085E-4340-85A3-A5531E510DB2}">
+      <thm15:themeFamily xmlns:thm15="http://schemas.microsoft.com/office/thememl/2012/main" name="Office Theme" id="{62F939B6-93AF-4DB8-9C6B-D6C7DFDC589F}" vid="{4A3C46E8-61CC-4603-A589-7422A47A8E4A}"/>
+    </a:ext>
+  </a:extLst>
+</a:theme>
 </file>